--- a/resources/pptx_template/example-template.pptx
+++ b/resources/pptx_template/example-template.pptx
@@ -15,14 +15,14 @@
   <p:notesSz cx="9928225" cy="6797675"/>
   <p:embeddedFontLst>
     <p:embeddedFont>
-      <p:font typeface="Roboto" panose="020B0604020202020204" charset="0"/>
+      <p:font typeface="Calibri" panose="020F0502020204030204" pitchFamily="34" charset="0"/>
       <p:regular r:id="rId5"/>
       <p:bold r:id="rId6"/>
       <p:italic r:id="rId7"/>
       <p:boldItalic r:id="rId8"/>
     </p:embeddedFont>
     <p:embeddedFont>
-      <p:font typeface="Calibri" panose="020F0502020204030204" pitchFamily="34" charset="0"/>
+      <p:font typeface="Roboto" panose="020B0604020202020204" charset="0"/>
       <p:regular r:id="rId9"/>
       <p:bold r:id="rId10"/>
       <p:italic r:id="rId11"/>
@@ -258,7 +258,7 @@
           <a:p>
             <a:fld id="{283A9E21-4981-413F-9BAB-A1BE42E0A624}" type="datetimeFigureOut">
               <a:rPr lang="de-DE" smtClean="0"/>
-              <a:t>19.12.2019</a:t>
+              <a:t>23.12.2019</a:t>
             </a:fld>
             <a:endParaRPr lang="de-DE"/>
           </a:p>
@@ -627,35 +627,35 @@
           <a:p>
             <a:pPr lvl="0"/>
             <a:r>
-              <a:rPr lang="de-DE" noProof="0" smtClean="0"/>
+              <a:rPr lang="de-DE" noProof="0"/>
               <a:t>Textmasterformate durch Klicken bearbeiten</a:t>
             </a:r>
           </a:p>
           <a:p>
             <a:pPr lvl="1"/>
             <a:r>
-              <a:rPr lang="de-DE" noProof="0" smtClean="0"/>
+              <a:rPr lang="de-DE" noProof="0"/>
               <a:t>Zweite Ebene</a:t>
             </a:r>
           </a:p>
           <a:p>
             <a:pPr lvl="2"/>
             <a:r>
-              <a:rPr lang="de-DE" noProof="0" smtClean="0"/>
+              <a:rPr lang="de-DE" noProof="0"/>
               <a:t>Dritte Ebene</a:t>
             </a:r>
           </a:p>
           <a:p>
             <a:pPr lvl="3"/>
             <a:r>
-              <a:rPr lang="de-DE" noProof="0" smtClean="0"/>
+              <a:rPr lang="de-DE" noProof="0"/>
               <a:t>Vierte Ebene</a:t>
             </a:r>
           </a:p>
           <a:p>
             <a:pPr lvl="4"/>
             <a:r>
-              <a:rPr lang="de-DE" noProof="0" smtClean="0"/>
+              <a:rPr lang="de-DE" noProof="0"/>
               <a:t>Fünfte Ebene</a:t>
             </a:r>
           </a:p>
@@ -993,7 +993,7 @@
           </a:lstStyle>
           <a:p>
             <a:r>
-              <a:rPr lang="de-DE" smtClean="0"/>
+              <a:rPr lang="de-DE"/>
               <a:t>Titelmasterformat durch Klicken bearbeiten</a:t>
             </a:r>
             <a:endParaRPr lang="de-DE" dirty="0"/>
@@ -1063,7 +1063,7 @@
           <a:p>
             <a:pPr lvl="0"/>
             <a:r>
-              <a:rPr lang="de-DE" smtClean="0"/>
+              <a:rPr lang="de-DE"/>
               <a:t>Textmasterformat bearbeiten</a:t>
             </a:r>
           </a:p>
@@ -1101,7 +1101,7 @@
           </a:lstStyle>
           <a:p>
             <a:r>
-              <a:rPr lang="de-DE" smtClean="0"/>
+              <a:rPr lang="de-DE"/>
               <a:t>Bild durch Klicken auf Symbol hinzufügen</a:t>
             </a:r>
             <a:endParaRPr lang="de-DE" dirty="0"/>
@@ -1118,14 +1118,7 @@
   <p:clrMapOvr>
     <a:masterClrMapping/>
   </p:clrMapOvr>
-  <p:timing>
-    <p:tnLst>
-      <p:par>
-        <p:cTn id="1" dur="indefinite" restart="never" nodeType="tmRoot"/>
-      </p:par>
-    </p:tnLst>
-  </p:timing>
-  <p:extLst mod="1">
+  <p:extLst>
     <p:ext uri="{DCECCB84-F9BA-43D5-87BE-67443E8EF086}">
       <p15:sldGuideLst xmlns:p15="http://schemas.microsoft.com/office/powerpoint/2012/main">
         <p15:guide id="1" orient="horz" pos="731">
@@ -1174,1600 +1167,7 @@
 </p:sldLayout>
 </file>
 
-<file path=ppt/slideLayouts/slideLayout10.xml><?xml version="1.0" encoding="utf-8"?>
-<p:sldLayout xmlns:a="http://schemas.openxmlformats.org/drawingml/2006/main" xmlns:r="http://schemas.openxmlformats.org/officeDocument/2006/relationships" xmlns:p="http://schemas.openxmlformats.org/presentationml/2006/main" preserve="1" userDrawn="1">
-  <p:cSld name="Gablenz">
-    <p:spTree>
-      <p:nvGrpSpPr>
-        <p:cNvPr id="1" name=""/>
-        <p:cNvGrpSpPr/>
-        <p:nvPr/>
-      </p:nvGrpSpPr>
-      <p:grpSpPr>
-        <a:xfrm>
-          <a:off x="0" y="0"/>
-          <a:ext cx="0" cy="0"/>
-          <a:chOff x="0" y="0"/>
-          <a:chExt cx="0" cy="0"/>
-        </a:xfrm>
-      </p:grpSpPr>
-      <p:sp>
-        <p:nvSpPr>
-          <p:cNvPr id="9" name="Titel 3"/>
-          <p:cNvSpPr>
-            <a:spLocks noGrp="1"/>
-          </p:cNvSpPr>
-          <p:nvPr>
-            <p:ph type="title"/>
-          </p:nvPr>
-        </p:nvSpPr>
-        <p:spPr>
-          <a:xfrm>
-            <a:off x="1558925" y="152400"/>
-            <a:ext cx="10440988" cy="468314"/>
-          </a:xfrm>
-          <a:prstGeom prst="rect">
-            <a:avLst/>
-          </a:prstGeom>
-        </p:spPr>
-        <p:txBody>
-          <a:bodyPr lIns="0" tIns="0" rIns="0" bIns="0">
-            <a:normAutofit/>
-          </a:bodyPr>
-          <a:lstStyle/>
-          <a:p>
-            <a:r>
-              <a:rPr lang="de-DE" dirty="0" smtClean="0"/>
-              <a:t>Titelmasterformat durch Klicken bearbeiten</a:t>
-            </a:r>
-            <a:endParaRPr lang="de-DE" dirty="0"/>
-          </a:p>
-        </p:txBody>
-      </p:sp>
-      <p:sp>
-        <p:nvSpPr>
-          <p:cNvPr id="10" name="Textplatzhalter 7"/>
-          <p:cNvSpPr>
-            <a:spLocks noGrp="1"/>
-          </p:cNvSpPr>
-          <p:nvPr>
-            <p:ph type="body" sz="quarter" idx="13"/>
-          </p:nvPr>
-        </p:nvSpPr>
-        <p:spPr>
-          <a:xfrm>
-            <a:off x="192088" y="908050"/>
-            <a:ext cx="11807825" cy="468313"/>
-          </a:xfrm>
-          <a:prstGeom prst="rect">
-            <a:avLst/>
-          </a:prstGeom>
-        </p:spPr>
-        <p:txBody>
-          <a:bodyPr lIns="0" tIns="0" rIns="0" bIns="0">
-            <a:normAutofit/>
-          </a:bodyPr>
-          <a:lstStyle>
-            <a:lvl1pPr marL="0" indent="0">
-              <a:buFont typeface="Arial" panose="020B0604020202020204" pitchFamily="34" charset="0"/>
-              <a:buNone/>
-              <a:defRPr sz="2800" b="1">
-                <a:solidFill>
-                  <a:schemeClr val="tx1"/>
-                </a:solidFill>
-                <a:latin typeface="Roboto" panose="02000000000000000000" pitchFamily="2" charset="0"/>
-                <a:ea typeface="Roboto" panose="02000000000000000000" pitchFamily="2" charset="0"/>
-              </a:defRPr>
-            </a:lvl1pPr>
-            <a:lvl2pPr>
-              <a:defRPr sz="2400">
-                <a:latin typeface="Roboto" panose="02000000000000000000" pitchFamily="2" charset="0"/>
-                <a:ea typeface="Roboto" panose="02000000000000000000" pitchFamily="2" charset="0"/>
-              </a:defRPr>
-            </a:lvl2pPr>
-            <a:lvl3pPr>
-              <a:defRPr sz="2000">
-                <a:latin typeface="Roboto" panose="02000000000000000000" pitchFamily="2" charset="0"/>
-                <a:ea typeface="Roboto" panose="02000000000000000000" pitchFamily="2" charset="0"/>
-              </a:defRPr>
-            </a:lvl3pPr>
-            <a:lvl4pPr>
-              <a:defRPr sz="2000">
-                <a:latin typeface="Roboto" panose="02000000000000000000" pitchFamily="2" charset="0"/>
-                <a:ea typeface="Roboto" panose="02000000000000000000" pitchFamily="2" charset="0"/>
-              </a:defRPr>
-            </a:lvl4pPr>
-            <a:lvl5pPr>
-              <a:defRPr sz="2000">
-                <a:latin typeface="Roboto" panose="02000000000000000000" pitchFamily="2" charset="0"/>
-                <a:ea typeface="Roboto" panose="02000000000000000000" pitchFamily="2" charset="0"/>
-              </a:defRPr>
-            </a:lvl5pPr>
-          </a:lstStyle>
-          <a:p>
-            <a:pPr lvl="0"/>
-            <a:r>
-              <a:rPr lang="de-DE" dirty="0" smtClean="0"/>
-              <a:t>Textmasterformat bearbeiten</a:t>
-            </a:r>
-          </a:p>
-        </p:txBody>
-      </p:sp>
-      <p:sp>
-        <p:nvSpPr>
-          <p:cNvPr id="18" name="Textplatzhalter 7"/>
-          <p:cNvSpPr>
-            <a:spLocks noGrp="1"/>
-          </p:cNvSpPr>
-          <p:nvPr>
-            <p:ph type="body" sz="quarter" idx="15"/>
-          </p:nvPr>
-        </p:nvSpPr>
-        <p:spPr>
-          <a:xfrm>
-            <a:off x="192088" y="3497580"/>
-            <a:ext cx="3779837" cy="2847658"/>
-          </a:xfrm>
-          <a:prstGeom prst="rect">
-            <a:avLst/>
-          </a:prstGeom>
-        </p:spPr>
-        <p:txBody>
-          <a:bodyPr>
-            <a:normAutofit/>
-          </a:bodyPr>
-          <a:lstStyle>
-            <a:lvl1pPr>
-              <a:defRPr sz="2800">
-                <a:latin typeface="Roboto" panose="02000000000000000000" pitchFamily="2" charset="0"/>
-                <a:ea typeface="Roboto" panose="02000000000000000000" pitchFamily="2" charset="0"/>
-              </a:defRPr>
-            </a:lvl1pPr>
-            <a:lvl2pPr>
-              <a:defRPr sz="2400">
-                <a:latin typeface="Roboto" panose="02000000000000000000" pitchFamily="2" charset="0"/>
-                <a:ea typeface="Roboto" panose="02000000000000000000" pitchFamily="2" charset="0"/>
-              </a:defRPr>
-            </a:lvl2pPr>
-            <a:lvl3pPr>
-              <a:defRPr sz="2000">
-                <a:latin typeface="Roboto" panose="02000000000000000000" pitchFamily="2" charset="0"/>
-                <a:ea typeface="Roboto" panose="02000000000000000000" pitchFamily="2" charset="0"/>
-              </a:defRPr>
-            </a:lvl3pPr>
-            <a:lvl4pPr>
-              <a:defRPr sz="2000">
-                <a:latin typeface="Roboto" panose="02000000000000000000" pitchFamily="2" charset="0"/>
-                <a:ea typeface="Roboto" panose="02000000000000000000" pitchFamily="2" charset="0"/>
-              </a:defRPr>
-            </a:lvl4pPr>
-            <a:lvl5pPr>
-              <a:defRPr sz="2000">
-                <a:latin typeface="Roboto" panose="02000000000000000000" pitchFamily="2" charset="0"/>
-                <a:ea typeface="Roboto" panose="02000000000000000000" pitchFamily="2" charset="0"/>
-              </a:defRPr>
-            </a:lvl5pPr>
-          </a:lstStyle>
-          <a:p>
-            <a:pPr lvl="0"/>
-            <a:r>
-              <a:rPr lang="de-DE" dirty="0" smtClean="0"/>
-              <a:t>Textmasterformat bearbeiten</a:t>
-            </a:r>
-          </a:p>
-          <a:p>
-            <a:pPr lvl="1"/>
-            <a:r>
-              <a:rPr lang="de-DE" dirty="0" smtClean="0"/>
-              <a:t>Zweite Ebene</a:t>
-            </a:r>
-          </a:p>
-          <a:p>
-            <a:pPr lvl="2"/>
-            <a:r>
-              <a:rPr lang="de-DE" dirty="0" smtClean="0"/>
-              <a:t>Dritte Ebene</a:t>
-            </a:r>
-          </a:p>
-          <a:p>
-            <a:pPr lvl="3"/>
-            <a:r>
-              <a:rPr lang="de-DE" dirty="0" smtClean="0"/>
-              <a:t>Vierte Ebene</a:t>
-            </a:r>
-          </a:p>
-          <a:p>
-            <a:pPr lvl="4"/>
-            <a:r>
-              <a:rPr lang="de-DE" dirty="0" smtClean="0"/>
-              <a:t>Fünfte Ebene</a:t>
-            </a:r>
-            <a:endParaRPr lang="de-DE" dirty="0"/>
-          </a:p>
-        </p:txBody>
-      </p:sp>
-      <p:sp>
-        <p:nvSpPr>
-          <p:cNvPr id="21" name="Textplatzhalter 7"/>
-          <p:cNvSpPr>
-            <a:spLocks noGrp="1"/>
-          </p:cNvSpPr>
-          <p:nvPr>
-            <p:ph type="body" sz="quarter" idx="16"/>
-          </p:nvPr>
-        </p:nvSpPr>
-        <p:spPr>
-          <a:xfrm>
-            <a:off x="4151313" y="3497580"/>
-            <a:ext cx="3852862" cy="2847658"/>
-          </a:xfrm>
-          <a:prstGeom prst="rect">
-            <a:avLst/>
-          </a:prstGeom>
-        </p:spPr>
-        <p:txBody>
-          <a:bodyPr>
-            <a:normAutofit/>
-          </a:bodyPr>
-          <a:lstStyle>
-            <a:lvl1pPr>
-              <a:defRPr sz="2800">
-                <a:latin typeface="Roboto" panose="02000000000000000000" pitchFamily="2" charset="0"/>
-                <a:ea typeface="Roboto" panose="02000000000000000000" pitchFamily="2" charset="0"/>
-              </a:defRPr>
-            </a:lvl1pPr>
-            <a:lvl2pPr>
-              <a:defRPr sz="2400">
-                <a:latin typeface="Roboto" panose="02000000000000000000" pitchFamily="2" charset="0"/>
-                <a:ea typeface="Roboto" panose="02000000000000000000" pitchFamily="2" charset="0"/>
-              </a:defRPr>
-            </a:lvl2pPr>
-            <a:lvl3pPr>
-              <a:defRPr sz="2000">
-                <a:latin typeface="Roboto" panose="02000000000000000000" pitchFamily="2" charset="0"/>
-                <a:ea typeface="Roboto" panose="02000000000000000000" pitchFamily="2" charset="0"/>
-              </a:defRPr>
-            </a:lvl3pPr>
-            <a:lvl4pPr>
-              <a:defRPr sz="2000">
-                <a:latin typeface="Roboto" panose="02000000000000000000" pitchFamily="2" charset="0"/>
-                <a:ea typeface="Roboto" panose="02000000000000000000" pitchFamily="2" charset="0"/>
-              </a:defRPr>
-            </a:lvl4pPr>
-            <a:lvl5pPr>
-              <a:defRPr sz="2000">
-                <a:latin typeface="Roboto" panose="02000000000000000000" pitchFamily="2" charset="0"/>
-                <a:ea typeface="Roboto" panose="02000000000000000000" pitchFamily="2" charset="0"/>
-              </a:defRPr>
-            </a:lvl5pPr>
-          </a:lstStyle>
-          <a:p>
-            <a:pPr lvl="0"/>
-            <a:r>
-              <a:rPr lang="de-DE" dirty="0" smtClean="0"/>
-              <a:t>Textmasterformat bearbeiten</a:t>
-            </a:r>
-          </a:p>
-          <a:p>
-            <a:pPr lvl="1"/>
-            <a:r>
-              <a:rPr lang="de-DE" dirty="0" smtClean="0"/>
-              <a:t>Zweite Ebene</a:t>
-            </a:r>
-          </a:p>
-          <a:p>
-            <a:pPr lvl="2"/>
-            <a:r>
-              <a:rPr lang="de-DE" dirty="0" smtClean="0"/>
-              <a:t>Dritte Ebene</a:t>
-            </a:r>
-          </a:p>
-          <a:p>
-            <a:pPr lvl="3"/>
-            <a:r>
-              <a:rPr lang="de-DE" dirty="0" smtClean="0"/>
-              <a:t>Vierte Ebene</a:t>
-            </a:r>
-          </a:p>
-          <a:p>
-            <a:pPr lvl="4"/>
-            <a:r>
-              <a:rPr lang="de-DE" dirty="0" smtClean="0"/>
-              <a:t>Fünfte Ebene</a:t>
-            </a:r>
-            <a:endParaRPr lang="de-DE" dirty="0"/>
-          </a:p>
-        </p:txBody>
-      </p:sp>
-      <p:sp>
-        <p:nvSpPr>
-          <p:cNvPr id="22" name="Textplatzhalter 7"/>
-          <p:cNvSpPr>
-            <a:spLocks noGrp="1"/>
-          </p:cNvSpPr>
-          <p:nvPr>
-            <p:ph type="body" sz="quarter" idx="17"/>
-          </p:nvPr>
-        </p:nvSpPr>
-        <p:spPr>
-          <a:xfrm>
-            <a:off x="8183563" y="3497580"/>
-            <a:ext cx="3816350" cy="2847658"/>
-          </a:xfrm>
-          <a:prstGeom prst="rect">
-            <a:avLst/>
-          </a:prstGeom>
-        </p:spPr>
-        <p:txBody>
-          <a:bodyPr>
-            <a:normAutofit/>
-          </a:bodyPr>
-          <a:lstStyle>
-            <a:lvl1pPr>
-              <a:defRPr sz="2800">
-                <a:latin typeface="Roboto" panose="02000000000000000000" pitchFamily="2" charset="0"/>
-                <a:ea typeface="Roboto" panose="02000000000000000000" pitchFamily="2" charset="0"/>
-              </a:defRPr>
-            </a:lvl1pPr>
-            <a:lvl2pPr>
-              <a:defRPr sz="2400">
-                <a:latin typeface="Roboto" panose="02000000000000000000" pitchFamily="2" charset="0"/>
-                <a:ea typeface="Roboto" panose="02000000000000000000" pitchFamily="2" charset="0"/>
-              </a:defRPr>
-            </a:lvl2pPr>
-            <a:lvl3pPr>
-              <a:defRPr sz="2000">
-                <a:latin typeface="Roboto" panose="02000000000000000000" pitchFamily="2" charset="0"/>
-                <a:ea typeface="Roboto" panose="02000000000000000000" pitchFamily="2" charset="0"/>
-              </a:defRPr>
-            </a:lvl3pPr>
-            <a:lvl4pPr>
-              <a:defRPr sz="2000">
-                <a:latin typeface="Roboto" panose="02000000000000000000" pitchFamily="2" charset="0"/>
-                <a:ea typeface="Roboto" panose="02000000000000000000" pitchFamily="2" charset="0"/>
-              </a:defRPr>
-            </a:lvl4pPr>
-            <a:lvl5pPr>
-              <a:defRPr sz="2000">
-                <a:latin typeface="Roboto" panose="02000000000000000000" pitchFamily="2" charset="0"/>
-                <a:ea typeface="Roboto" panose="02000000000000000000" pitchFamily="2" charset="0"/>
-              </a:defRPr>
-            </a:lvl5pPr>
-          </a:lstStyle>
-          <a:p>
-            <a:pPr lvl="0"/>
-            <a:r>
-              <a:rPr lang="de-DE" dirty="0" smtClean="0"/>
-              <a:t>Textmasterformat bearbeiten</a:t>
-            </a:r>
-          </a:p>
-          <a:p>
-            <a:pPr lvl="1"/>
-            <a:r>
-              <a:rPr lang="de-DE" dirty="0" smtClean="0"/>
-              <a:t>Zweite Ebene</a:t>
-            </a:r>
-          </a:p>
-          <a:p>
-            <a:pPr lvl="2"/>
-            <a:r>
-              <a:rPr lang="de-DE" dirty="0" smtClean="0"/>
-              <a:t>Dritte Ebene</a:t>
-            </a:r>
-          </a:p>
-          <a:p>
-            <a:pPr lvl="3"/>
-            <a:r>
-              <a:rPr lang="de-DE" dirty="0" smtClean="0"/>
-              <a:t>Vierte Ebene</a:t>
-            </a:r>
-          </a:p>
-          <a:p>
-            <a:pPr lvl="4"/>
-            <a:r>
-              <a:rPr lang="de-DE" dirty="0" smtClean="0"/>
-              <a:t>Fünfte Ebene</a:t>
-            </a:r>
-            <a:endParaRPr lang="de-DE" dirty="0"/>
-          </a:p>
-        </p:txBody>
-      </p:sp>
-      <p:sp>
-        <p:nvSpPr>
-          <p:cNvPr id="23" name="Bildplatzhalter 2"/>
-          <p:cNvSpPr>
-            <a:spLocks noGrp="1"/>
-          </p:cNvSpPr>
-          <p:nvPr>
-            <p:ph type="pic" sz="quarter" idx="10"/>
-          </p:nvPr>
-        </p:nvSpPr>
-        <p:spPr>
-          <a:xfrm>
-            <a:off x="192088" y="1376363"/>
-            <a:ext cx="3779837" cy="1907857"/>
-          </a:xfrm>
-          <a:prstGeom prst="rect">
-            <a:avLst/>
-          </a:prstGeom>
-        </p:spPr>
-        <p:txBody>
-          <a:bodyPr anchor="b" anchorCtr="0"/>
-          <a:lstStyle>
-            <a:lvl1pPr marL="0" indent="0" algn="ctr">
-              <a:buNone/>
-              <a:defRPr sz="2000">
-                <a:latin typeface="Roboto" panose="02000000000000000000" pitchFamily="2" charset="0"/>
-                <a:ea typeface="Roboto" panose="02000000000000000000" pitchFamily="2" charset="0"/>
-              </a:defRPr>
-            </a:lvl1pPr>
-          </a:lstStyle>
-          <a:p>
-            <a:r>
-              <a:rPr lang="de-DE" dirty="0" smtClean="0"/>
-              <a:t>Bild durch Klicken auf Symbol hinzufügen</a:t>
-            </a:r>
-            <a:endParaRPr lang="de-DE" dirty="0"/>
-          </a:p>
-        </p:txBody>
-      </p:sp>
-      <p:sp>
-        <p:nvSpPr>
-          <p:cNvPr id="24" name="Bildplatzhalter 2"/>
-          <p:cNvSpPr>
-            <a:spLocks noGrp="1"/>
-          </p:cNvSpPr>
-          <p:nvPr>
-            <p:ph type="pic" sz="quarter" idx="18"/>
-          </p:nvPr>
-        </p:nvSpPr>
-        <p:spPr>
-          <a:xfrm>
-            <a:off x="4151784" y="1376363"/>
-            <a:ext cx="3852391" cy="1907857"/>
-          </a:xfrm>
-          <a:prstGeom prst="rect">
-            <a:avLst/>
-          </a:prstGeom>
-        </p:spPr>
-        <p:txBody>
-          <a:bodyPr anchor="b" anchorCtr="0"/>
-          <a:lstStyle>
-            <a:lvl1pPr marL="0" indent="0" algn="ctr">
-              <a:buNone/>
-              <a:defRPr sz="2000">
-                <a:latin typeface="Roboto" panose="02000000000000000000" pitchFamily="2" charset="0"/>
-                <a:ea typeface="Roboto" panose="02000000000000000000" pitchFamily="2" charset="0"/>
-              </a:defRPr>
-            </a:lvl1pPr>
-          </a:lstStyle>
-          <a:p>
-            <a:r>
-              <a:rPr lang="de-DE" dirty="0" smtClean="0"/>
-              <a:t>Bild durch Klicken auf Symbol hinzufügen</a:t>
-            </a:r>
-            <a:endParaRPr lang="de-DE" dirty="0"/>
-          </a:p>
-        </p:txBody>
-      </p:sp>
-      <p:sp>
-        <p:nvSpPr>
-          <p:cNvPr id="25" name="Bildplatzhalter 2"/>
-          <p:cNvSpPr>
-            <a:spLocks noGrp="1"/>
-          </p:cNvSpPr>
-          <p:nvPr>
-            <p:ph type="pic" sz="quarter" idx="19"/>
-          </p:nvPr>
-        </p:nvSpPr>
-        <p:spPr>
-          <a:xfrm>
-            <a:off x="8184232" y="1376363"/>
-            <a:ext cx="3815681" cy="1907857"/>
-          </a:xfrm>
-          <a:prstGeom prst="rect">
-            <a:avLst/>
-          </a:prstGeom>
-        </p:spPr>
-        <p:txBody>
-          <a:bodyPr anchor="b" anchorCtr="0"/>
-          <a:lstStyle>
-            <a:lvl1pPr marL="0" indent="0" algn="ctr">
-              <a:buNone/>
-              <a:defRPr sz="2000">
-                <a:latin typeface="Roboto" panose="02000000000000000000" pitchFamily="2" charset="0"/>
-                <a:ea typeface="Roboto" panose="02000000000000000000" pitchFamily="2" charset="0"/>
-              </a:defRPr>
-            </a:lvl1pPr>
-          </a:lstStyle>
-          <a:p>
-            <a:r>
-              <a:rPr lang="de-DE" dirty="0" smtClean="0"/>
-              <a:t>Bild durch Klicken auf Symbol hinzufügen</a:t>
-            </a:r>
-            <a:endParaRPr lang="de-DE" dirty="0"/>
-          </a:p>
-        </p:txBody>
-      </p:sp>
-    </p:spTree>
-    <p:extLst>
-      <p:ext uri="{BB962C8B-B14F-4D97-AF65-F5344CB8AC3E}">
-        <p14:creationId xmlns:p14="http://schemas.microsoft.com/office/powerpoint/2010/main" val="4266122319"/>
-      </p:ext>
-    </p:extLst>
-  </p:cSld>
-  <p:clrMapOvr>
-    <a:masterClrMapping/>
-  </p:clrMapOvr>
-  <p:timing>
-    <p:tnLst>
-      <p:par>
-        <p:cTn id="1" dur="indefinite" restart="never" nodeType="tmRoot"/>
-      </p:par>
-    </p:tnLst>
-  </p:timing>
-  <p:extLst>
-    <p:ext uri="{DCECCB84-F9BA-43D5-87BE-67443E8EF086}">
-      <p15:sldGuideLst xmlns:p15="http://schemas.microsoft.com/office/powerpoint/2012/main">
-        <p15:guide id="1" pos="2502" userDrawn="1">
-          <p15:clr>
-            <a:srgbClr val="5ACBF0"/>
-          </p15:clr>
-        </p15:guide>
-        <p15:guide id="2" pos="2615" userDrawn="1">
-          <p15:clr>
-            <a:srgbClr val="5ACBF0"/>
-          </p15:clr>
-        </p15:guide>
-        <p15:guide id="3" orient="horz" pos="867" userDrawn="1">
-          <p15:clr>
-            <a:srgbClr val="5ACBF0"/>
-          </p15:clr>
-        </p15:guide>
-        <p15:guide id="4" orient="horz" pos="754" userDrawn="1">
-          <p15:clr>
-            <a:srgbClr val="5ACBF0"/>
-          </p15:clr>
-        </p15:guide>
-        <p15:guide id="0" pos="5042" userDrawn="1">
-          <p15:clr>
-            <a:srgbClr val="5ACBF0"/>
-          </p15:clr>
-        </p15:guide>
-        <p15:guide id="5" pos="5155" userDrawn="1">
-          <p15:clr>
-            <a:srgbClr val="5ACBF0"/>
-          </p15:clr>
-        </p15:guide>
-      </p15:sldGuideLst>
-    </p:ext>
-  </p:extLst>
-</p:sldLayout>
-</file>
-
 <file path=ppt/slideLayouts/slideLayout2.xml><?xml version="1.0" encoding="utf-8"?>
-<p:sldLayout xmlns:a="http://schemas.openxmlformats.org/drawingml/2006/main" xmlns:r="http://schemas.openxmlformats.org/officeDocument/2006/relationships" xmlns:p="http://schemas.openxmlformats.org/presentationml/2006/main" preserve="1" userDrawn="1">
-  <p:cSld name="Adelsberg">
-    <p:spTree>
-      <p:nvGrpSpPr>
-        <p:cNvPr id="1" name=""/>
-        <p:cNvGrpSpPr/>
-        <p:nvPr/>
-      </p:nvGrpSpPr>
-      <p:grpSpPr>
-        <a:xfrm>
-          <a:off x="0" y="0"/>
-          <a:ext cx="0" cy="0"/>
-          <a:chOff x="0" y="0"/>
-          <a:chExt cx="0" cy="0"/>
-        </a:xfrm>
-      </p:grpSpPr>
-      <p:sp>
-        <p:nvSpPr>
-          <p:cNvPr id="8" name="Titelplatzhalter 25"/>
-          <p:cNvSpPr>
-            <a:spLocks noGrp="1"/>
-          </p:cNvSpPr>
-          <p:nvPr>
-            <p:ph type="title"/>
-          </p:nvPr>
-        </p:nvSpPr>
-        <p:spPr>
-          <a:xfrm>
-            <a:off x="2711450" y="266700"/>
-            <a:ext cx="9180513" cy="893763"/>
-          </a:xfrm>
-          <a:prstGeom prst="rect">
-            <a:avLst/>
-          </a:prstGeom>
-        </p:spPr>
-        <p:txBody>
-          <a:bodyPr vert="horz" lIns="0" tIns="0" rIns="0" bIns="0" rtlCol="0" anchor="t" anchorCtr="0">
-            <a:normAutofit/>
-          </a:bodyPr>
-          <a:lstStyle>
-            <a:lvl1pPr>
-              <a:defRPr b="1">
-                <a:solidFill>
-                  <a:schemeClr val="bg1"/>
-                </a:solidFill>
-                <a:effectLst/>
-              </a:defRPr>
-            </a:lvl1pPr>
-          </a:lstStyle>
-          <a:p>
-            <a:r>
-              <a:rPr lang="de-DE" smtClean="0"/>
-              <a:t>Titelmasterformat durch Klicken bearbeiten</a:t>
-            </a:r>
-            <a:endParaRPr lang="de-DE" dirty="0"/>
-          </a:p>
-        </p:txBody>
-      </p:sp>
-      <p:sp>
-        <p:nvSpPr>
-          <p:cNvPr id="13" name="Textplatzhalter 7"/>
-          <p:cNvSpPr>
-            <a:spLocks noGrp="1"/>
-          </p:cNvSpPr>
-          <p:nvPr>
-            <p:ph type="body" sz="quarter" idx="13"/>
-          </p:nvPr>
-        </p:nvSpPr>
-        <p:spPr>
-          <a:xfrm>
-            <a:off x="334963" y="1776095"/>
-            <a:ext cx="11557000" cy="448945"/>
-          </a:xfrm>
-          <a:prstGeom prst="rect">
-            <a:avLst/>
-          </a:prstGeom>
-        </p:spPr>
-        <p:txBody>
-          <a:bodyPr lIns="0" tIns="0" rIns="0" bIns="0">
-            <a:normAutofit/>
-          </a:bodyPr>
-          <a:lstStyle>
-            <a:lvl1pPr marL="0" indent="0">
-              <a:buFont typeface="Arial" panose="020B0604020202020204" pitchFamily="34" charset="0"/>
-              <a:buNone/>
-              <a:defRPr sz="2800" b="1">
-                <a:solidFill>
-                  <a:schemeClr val="tx1"/>
-                </a:solidFill>
-                <a:latin typeface="Roboto" panose="02000000000000000000" pitchFamily="2" charset="0"/>
-                <a:ea typeface="Roboto" panose="02000000000000000000" pitchFamily="2" charset="0"/>
-              </a:defRPr>
-            </a:lvl1pPr>
-            <a:lvl2pPr>
-              <a:defRPr sz="2400">
-                <a:latin typeface="Roboto" panose="02000000000000000000" pitchFamily="2" charset="0"/>
-                <a:ea typeface="Roboto" panose="02000000000000000000" pitchFamily="2" charset="0"/>
-              </a:defRPr>
-            </a:lvl2pPr>
-            <a:lvl3pPr>
-              <a:defRPr sz="2000">
-                <a:latin typeface="Roboto" panose="02000000000000000000" pitchFamily="2" charset="0"/>
-                <a:ea typeface="Roboto" panose="02000000000000000000" pitchFamily="2" charset="0"/>
-              </a:defRPr>
-            </a:lvl3pPr>
-            <a:lvl4pPr>
-              <a:defRPr sz="2000">
-                <a:latin typeface="Roboto" panose="02000000000000000000" pitchFamily="2" charset="0"/>
-                <a:ea typeface="Roboto" panose="02000000000000000000" pitchFamily="2" charset="0"/>
-              </a:defRPr>
-            </a:lvl4pPr>
-            <a:lvl5pPr>
-              <a:defRPr sz="2000">
-                <a:latin typeface="Roboto" panose="02000000000000000000" pitchFamily="2" charset="0"/>
-                <a:ea typeface="Roboto" panose="02000000000000000000" pitchFamily="2" charset="0"/>
-              </a:defRPr>
-            </a:lvl5pPr>
-          </a:lstStyle>
-          <a:p>
-            <a:pPr lvl="0"/>
-            <a:r>
-              <a:rPr lang="de-DE" smtClean="0"/>
-              <a:t>Textmasterformat bearbeiten</a:t>
-            </a:r>
-          </a:p>
-        </p:txBody>
-      </p:sp>
-      <p:sp>
-        <p:nvSpPr>
-          <p:cNvPr id="14" name="Bildplatzhalter 2"/>
-          <p:cNvSpPr>
-            <a:spLocks noGrp="1"/>
-          </p:cNvSpPr>
-          <p:nvPr>
-            <p:ph type="pic" sz="quarter" idx="10"/>
-          </p:nvPr>
-        </p:nvSpPr>
-        <p:spPr>
-          <a:xfrm>
-            <a:off x="0" y="2420938"/>
-            <a:ext cx="2711450" cy="2440622"/>
-          </a:xfrm>
-          <a:prstGeom prst="rect">
-            <a:avLst/>
-          </a:prstGeom>
-        </p:spPr>
-        <p:txBody>
-          <a:bodyPr anchor="b" anchorCtr="0"/>
-          <a:lstStyle>
-            <a:lvl1pPr marL="0" indent="0" algn="ctr">
-              <a:buNone/>
-              <a:defRPr sz="2000">
-                <a:latin typeface="Roboto" panose="02000000000000000000" pitchFamily="2" charset="0"/>
-                <a:ea typeface="Roboto" panose="02000000000000000000" pitchFamily="2" charset="0"/>
-              </a:defRPr>
-            </a:lvl1pPr>
-          </a:lstStyle>
-          <a:p>
-            <a:r>
-              <a:rPr lang="de-DE" smtClean="0"/>
-              <a:t>Bild durch Klicken auf Symbol hinzufügen</a:t>
-            </a:r>
-            <a:endParaRPr lang="de-DE" dirty="0"/>
-          </a:p>
-        </p:txBody>
-      </p:sp>
-      <p:sp>
-        <p:nvSpPr>
-          <p:cNvPr id="5" name="Bildplatzhalter 2"/>
-          <p:cNvSpPr>
-            <a:spLocks noGrp="1"/>
-          </p:cNvSpPr>
-          <p:nvPr>
-            <p:ph type="pic" sz="quarter" idx="14"/>
-          </p:nvPr>
-        </p:nvSpPr>
-        <p:spPr>
-          <a:xfrm>
-            <a:off x="2711450" y="2420938"/>
-            <a:ext cx="5225098" cy="2440622"/>
-          </a:xfrm>
-          <a:prstGeom prst="rect">
-            <a:avLst/>
-          </a:prstGeom>
-        </p:spPr>
-        <p:txBody>
-          <a:bodyPr anchor="b" anchorCtr="0"/>
-          <a:lstStyle>
-            <a:lvl1pPr marL="0" indent="0" algn="ctr">
-              <a:buNone/>
-              <a:defRPr sz="2000">
-                <a:latin typeface="Roboto" panose="02000000000000000000" pitchFamily="2" charset="0"/>
-                <a:ea typeface="Roboto" panose="02000000000000000000" pitchFamily="2" charset="0"/>
-              </a:defRPr>
-            </a:lvl1pPr>
-          </a:lstStyle>
-          <a:p>
-            <a:r>
-              <a:rPr lang="de-DE" smtClean="0"/>
-              <a:t>Bild durch Klicken auf Symbol hinzufügen</a:t>
-            </a:r>
-            <a:endParaRPr lang="de-DE" dirty="0"/>
-          </a:p>
-        </p:txBody>
-      </p:sp>
-      <p:sp>
-        <p:nvSpPr>
-          <p:cNvPr id="6" name="Bildplatzhalter 2"/>
-          <p:cNvSpPr>
-            <a:spLocks noGrp="1"/>
-          </p:cNvSpPr>
-          <p:nvPr>
-            <p:ph type="pic" sz="quarter" idx="15"/>
-          </p:nvPr>
-        </p:nvSpPr>
-        <p:spPr>
-          <a:xfrm>
-            <a:off x="7940040" y="2420938"/>
-            <a:ext cx="4251960" cy="2440622"/>
-          </a:xfrm>
-          <a:prstGeom prst="rect">
-            <a:avLst/>
-          </a:prstGeom>
-        </p:spPr>
-        <p:txBody>
-          <a:bodyPr anchor="b" anchorCtr="0"/>
-          <a:lstStyle>
-            <a:lvl1pPr marL="0" indent="0" algn="ctr">
-              <a:buNone/>
-              <a:defRPr sz="2000">
-                <a:latin typeface="Roboto" panose="02000000000000000000" pitchFamily="2" charset="0"/>
-                <a:ea typeface="Roboto" panose="02000000000000000000" pitchFamily="2" charset="0"/>
-              </a:defRPr>
-            </a:lvl1pPr>
-          </a:lstStyle>
-          <a:p>
-            <a:r>
-              <a:rPr lang="de-DE" smtClean="0"/>
-              <a:t>Bild durch Klicken auf Symbol hinzufügen</a:t>
-            </a:r>
-            <a:endParaRPr lang="de-DE" dirty="0"/>
-          </a:p>
-        </p:txBody>
-      </p:sp>
-      <p:sp>
-        <p:nvSpPr>
-          <p:cNvPr id="7" name="Textplatzhalter 7"/>
-          <p:cNvSpPr>
-            <a:spLocks noGrp="1"/>
-          </p:cNvSpPr>
-          <p:nvPr>
-            <p:ph type="body" sz="quarter" idx="11"/>
-          </p:nvPr>
-        </p:nvSpPr>
-        <p:spPr>
-          <a:xfrm>
-            <a:off x="2711449" y="5113020"/>
-            <a:ext cx="9180513" cy="1087755"/>
-          </a:xfrm>
-          <a:prstGeom prst="rect">
-            <a:avLst/>
-          </a:prstGeom>
-        </p:spPr>
-        <p:txBody>
-          <a:bodyPr lIns="0" tIns="0" rIns="0" bIns="0">
-            <a:normAutofit/>
-          </a:bodyPr>
-          <a:lstStyle>
-            <a:lvl1pPr marL="0" indent="0">
-              <a:buNone/>
-              <a:defRPr sz="2400">
-                <a:latin typeface="Roboto" panose="02000000000000000000" pitchFamily="2" charset="0"/>
-                <a:ea typeface="Roboto" panose="02000000000000000000" pitchFamily="2" charset="0"/>
-              </a:defRPr>
-            </a:lvl1pPr>
-            <a:lvl2pPr>
-              <a:defRPr sz="2400">
-                <a:latin typeface="Roboto" panose="02000000000000000000" pitchFamily="2" charset="0"/>
-                <a:ea typeface="Roboto" panose="02000000000000000000" pitchFamily="2" charset="0"/>
-              </a:defRPr>
-            </a:lvl2pPr>
-            <a:lvl3pPr>
-              <a:defRPr sz="2000">
-                <a:latin typeface="Roboto" panose="02000000000000000000" pitchFamily="2" charset="0"/>
-                <a:ea typeface="Roboto" panose="02000000000000000000" pitchFamily="2" charset="0"/>
-              </a:defRPr>
-            </a:lvl3pPr>
-            <a:lvl4pPr>
-              <a:defRPr sz="2000">
-                <a:latin typeface="Roboto" panose="02000000000000000000" pitchFamily="2" charset="0"/>
-                <a:ea typeface="Roboto" panose="02000000000000000000" pitchFamily="2" charset="0"/>
-              </a:defRPr>
-            </a:lvl4pPr>
-            <a:lvl5pPr>
-              <a:defRPr sz="2000">
-                <a:latin typeface="Roboto" panose="02000000000000000000" pitchFamily="2" charset="0"/>
-                <a:ea typeface="Roboto" panose="02000000000000000000" pitchFamily="2" charset="0"/>
-              </a:defRPr>
-            </a:lvl5pPr>
-          </a:lstStyle>
-          <a:p>
-            <a:pPr lvl="0"/>
-            <a:r>
-              <a:rPr lang="de-DE" smtClean="0"/>
-              <a:t>Textmasterformat bearbeiten</a:t>
-            </a:r>
-          </a:p>
-        </p:txBody>
-      </p:sp>
-      <p:sp>
-        <p:nvSpPr>
-          <p:cNvPr id="9" name="Bildplatzhalter 4"/>
-          <p:cNvSpPr>
-            <a:spLocks noGrp="1"/>
-          </p:cNvSpPr>
-          <p:nvPr>
-            <p:ph type="pic" sz="quarter" idx="16" hasCustomPrompt="1"/>
-          </p:nvPr>
-        </p:nvSpPr>
-        <p:spPr>
-          <a:xfrm>
-            <a:off x="334963" y="5200968"/>
-            <a:ext cx="1657350" cy="999807"/>
-          </a:xfrm>
-          <a:prstGeom prst="rect">
-            <a:avLst/>
-          </a:prstGeom>
-        </p:spPr>
-        <p:txBody>
-          <a:bodyPr anchor="b">
-            <a:noAutofit/>
-          </a:bodyPr>
-          <a:lstStyle>
-            <a:lvl1pPr marL="0" indent="0" algn="ctr">
-              <a:buNone/>
-              <a:defRPr sz="2000">
-                <a:latin typeface="Roboto" panose="02000000000000000000" pitchFamily="2" charset="0"/>
-                <a:ea typeface="Roboto" panose="02000000000000000000" pitchFamily="2" charset="0"/>
-              </a:defRPr>
-            </a:lvl1pPr>
-          </a:lstStyle>
-          <a:p>
-            <a:r>
-              <a:rPr lang="de-DE" dirty="0" smtClean="0"/>
-              <a:t>Logo</a:t>
-            </a:r>
-            <a:endParaRPr lang="de-DE" dirty="0"/>
-          </a:p>
-        </p:txBody>
-      </p:sp>
-    </p:spTree>
-    <p:extLst>
-      <p:ext uri="{BB962C8B-B14F-4D97-AF65-F5344CB8AC3E}">
-        <p14:creationId xmlns:p14="http://schemas.microsoft.com/office/powerpoint/2010/main" val="3447955042"/>
-      </p:ext>
-    </p:extLst>
-  </p:cSld>
-  <p:clrMapOvr>
-    <a:masterClrMapping/>
-  </p:clrMapOvr>
-  <p:timing>
-    <p:tnLst>
-      <p:par>
-        <p:cTn id="1" dur="indefinite" restart="never" nodeType="tmRoot"/>
-      </p:par>
-    </p:tnLst>
-  </p:timing>
-  <p:extLst mod="1">
-    <p:ext uri="{DCECCB84-F9BA-43D5-87BE-67443E8EF086}">
-      <p15:sldGuideLst xmlns:p15="http://schemas.microsoft.com/office/powerpoint/2012/main">
-        <p15:guide id="1" orient="horz" pos="731">
-          <p15:clr>
-            <a:srgbClr val="9FCC3B"/>
-          </p15:clr>
-        </p15:guide>
-        <p15:guide id="2" orient="horz" pos="210">
-          <p15:clr>
-            <a:srgbClr val="9FCC3B"/>
-          </p15:clr>
-        </p15:guide>
-        <p15:guide id="3" pos="1708">
-          <p15:clr>
-            <a:srgbClr val="9FCC3B"/>
-          </p15:clr>
-        </p15:guide>
-        <p15:guide id="4" pos="1481">
-          <p15:clr>
-            <a:srgbClr val="9FCC3B"/>
-          </p15:clr>
-        </p15:guide>
-        <p15:guide id="5" pos="1255">
-          <p15:clr>
-            <a:srgbClr val="9FCC3B"/>
-          </p15:clr>
-        </p15:guide>
-        <p15:guide id="6" pos="211">
-          <p15:clr>
-            <a:srgbClr val="9FCC3B"/>
-          </p15:clr>
-        </p15:guide>
-        <p15:guide id="7" orient="horz" pos="1162">
-          <p15:clr>
-            <a:srgbClr val="000000"/>
-          </p15:clr>
-        </p15:guide>
-        <p15:guide id="8" orient="horz" pos="1525">
-          <p15:clr>
-            <a:srgbClr val="5ACBF0"/>
-          </p15:clr>
-        </p15:guide>
-        <p15:guide id="0" orient="horz" pos="3067" userDrawn="1">
-          <p15:clr>
-            <a:srgbClr val="5ACBF0"/>
-          </p15:clr>
-        </p15:guide>
-        <p15:guide id="9" orient="horz" pos="3271" userDrawn="1">
-          <p15:clr>
-            <a:srgbClr val="5ACBF0"/>
-          </p15:clr>
-        </p15:guide>
-      </p15:sldGuideLst>
-    </p:ext>
-  </p:extLst>
-</p:sldLayout>
-</file>
-
-<file path=ppt/slideLayouts/slideLayout3.xml><?xml version="1.0" encoding="utf-8"?>
-<p:sldLayout xmlns:a="http://schemas.openxmlformats.org/drawingml/2006/main" xmlns:r="http://schemas.openxmlformats.org/officeDocument/2006/relationships" xmlns:p="http://schemas.openxmlformats.org/presentationml/2006/main" preserve="1" userDrawn="1">
-  <p:cSld name="Glösa">
-    <p:spTree>
-      <p:nvGrpSpPr>
-        <p:cNvPr id="1" name=""/>
-        <p:cNvGrpSpPr/>
-        <p:nvPr/>
-      </p:nvGrpSpPr>
-      <p:grpSpPr>
-        <a:xfrm>
-          <a:off x="0" y="0"/>
-          <a:ext cx="0" cy="0"/>
-          <a:chOff x="0" y="0"/>
-          <a:chExt cx="0" cy="0"/>
-        </a:xfrm>
-      </p:grpSpPr>
-      <p:sp>
-        <p:nvSpPr>
-          <p:cNvPr id="9" name="Bildplatzhalter 2"/>
-          <p:cNvSpPr>
-            <a:spLocks noGrp="1"/>
-          </p:cNvSpPr>
-          <p:nvPr>
-            <p:ph type="pic" sz="quarter" idx="10"/>
-          </p:nvPr>
-        </p:nvSpPr>
-        <p:spPr>
-          <a:xfrm>
-            <a:off x="2711450" y="2420938"/>
-            <a:ext cx="9480550" cy="4096740"/>
-          </a:xfrm>
-          <a:prstGeom prst="rect">
-            <a:avLst/>
-          </a:prstGeom>
-        </p:spPr>
-        <p:txBody>
-          <a:bodyPr anchor="b" anchorCtr="0"/>
-          <a:lstStyle>
-            <a:lvl1pPr marL="0" indent="0" algn="ctr">
-              <a:buNone/>
-              <a:defRPr sz="2000">
-                <a:latin typeface="Roboto" panose="02000000000000000000" pitchFamily="2" charset="0"/>
-                <a:ea typeface="Roboto" panose="02000000000000000000" pitchFamily="2" charset="0"/>
-              </a:defRPr>
-            </a:lvl1pPr>
-          </a:lstStyle>
-          <a:p>
-            <a:r>
-              <a:rPr lang="de-DE" smtClean="0"/>
-              <a:t>Bild durch Klicken auf Symbol hinzufügen</a:t>
-            </a:r>
-            <a:endParaRPr lang="de-DE" dirty="0"/>
-          </a:p>
-        </p:txBody>
-      </p:sp>
-      <p:sp>
-        <p:nvSpPr>
-          <p:cNvPr id="13" name="Textplatzhalter 7"/>
-          <p:cNvSpPr>
-            <a:spLocks noGrp="1"/>
-          </p:cNvSpPr>
-          <p:nvPr>
-            <p:ph type="body" sz="quarter" idx="13"/>
-          </p:nvPr>
-        </p:nvSpPr>
-        <p:spPr>
-          <a:xfrm>
-            <a:off x="2711449" y="1775461"/>
-            <a:ext cx="9180513" cy="518160"/>
-          </a:xfrm>
-          <a:prstGeom prst="rect">
-            <a:avLst/>
-          </a:prstGeom>
-        </p:spPr>
-        <p:txBody>
-          <a:bodyPr lIns="0" tIns="0" rIns="0" bIns="0">
-            <a:normAutofit/>
-          </a:bodyPr>
-          <a:lstStyle>
-            <a:lvl1pPr marL="0" indent="0">
-              <a:buFont typeface="Arial" panose="020B0604020202020204" pitchFamily="34" charset="0"/>
-              <a:buNone/>
-              <a:defRPr sz="2800" b="1">
-                <a:solidFill>
-                  <a:schemeClr val="tx1"/>
-                </a:solidFill>
-                <a:latin typeface="Roboto" panose="02000000000000000000" pitchFamily="2" charset="0"/>
-                <a:ea typeface="Roboto" panose="02000000000000000000" pitchFamily="2" charset="0"/>
-              </a:defRPr>
-            </a:lvl1pPr>
-            <a:lvl2pPr>
-              <a:defRPr sz="2400">
-                <a:latin typeface="Roboto" panose="02000000000000000000" pitchFamily="2" charset="0"/>
-                <a:ea typeface="Roboto" panose="02000000000000000000" pitchFamily="2" charset="0"/>
-              </a:defRPr>
-            </a:lvl2pPr>
-            <a:lvl3pPr>
-              <a:defRPr sz="2000">
-                <a:latin typeface="Roboto" panose="02000000000000000000" pitchFamily="2" charset="0"/>
-                <a:ea typeface="Roboto" panose="02000000000000000000" pitchFamily="2" charset="0"/>
-              </a:defRPr>
-            </a:lvl3pPr>
-            <a:lvl4pPr>
-              <a:defRPr sz="2000">
-                <a:latin typeface="Roboto" panose="02000000000000000000" pitchFamily="2" charset="0"/>
-                <a:ea typeface="Roboto" panose="02000000000000000000" pitchFamily="2" charset="0"/>
-              </a:defRPr>
-            </a:lvl4pPr>
-            <a:lvl5pPr>
-              <a:defRPr sz="2000">
-                <a:latin typeface="Roboto" panose="02000000000000000000" pitchFamily="2" charset="0"/>
-                <a:ea typeface="Roboto" panose="02000000000000000000" pitchFamily="2" charset="0"/>
-              </a:defRPr>
-            </a:lvl5pPr>
-          </a:lstStyle>
-          <a:p>
-            <a:pPr lvl="0"/>
-            <a:r>
-              <a:rPr lang="de-DE" smtClean="0"/>
-              <a:t>Textmasterformat bearbeiten</a:t>
-            </a:r>
-          </a:p>
-        </p:txBody>
-      </p:sp>
-      <p:sp>
-        <p:nvSpPr>
-          <p:cNvPr id="5" name="Bildplatzhalter 4"/>
-          <p:cNvSpPr>
-            <a:spLocks noGrp="1"/>
-          </p:cNvSpPr>
-          <p:nvPr>
-            <p:ph type="pic" sz="quarter" idx="11" hasCustomPrompt="1"/>
-          </p:nvPr>
-        </p:nvSpPr>
-        <p:spPr>
-          <a:xfrm>
-            <a:off x="334963" y="1844675"/>
-            <a:ext cx="1657350" cy="1586044"/>
-          </a:xfrm>
-          <a:prstGeom prst="rect">
-            <a:avLst/>
-          </a:prstGeom>
-        </p:spPr>
-        <p:txBody>
-          <a:bodyPr anchor="b">
-            <a:noAutofit/>
-          </a:bodyPr>
-          <a:lstStyle>
-            <a:lvl1pPr marL="0" indent="0" algn="ctr">
-              <a:buNone/>
-              <a:defRPr sz="2000">
-                <a:latin typeface="Roboto" panose="02000000000000000000" pitchFamily="2" charset="0"/>
-                <a:ea typeface="Roboto" panose="02000000000000000000" pitchFamily="2" charset="0"/>
-              </a:defRPr>
-            </a:lvl1pPr>
-          </a:lstStyle>
-          <a:p>
-            <a:r>
-              <a:rPr lang="de-DE" dirty="0" smtClean="0"/>
-              <a:t>Logo</a:t>
-            </a:r>
-            <a:endParaRPr lang="de-DE" dirty="0"/>
-          </a:p>
-        </p:txBody>
-      </p:sp>
-      <p:sp>
-        <p:nvSpPr>
-          <p:cNvPr id="6" name="Titelplatzhalter 25"/>
-          <p:cNvSpPr>
-            <a:spLocks noGrp="1"/>
-          </p:cNvSpPr>
-          <p:nvPr>
-            <p:ph type="title"/>
-          </p:nvPr>
-        </p:nvSpPr>
-        <p:spPr>
-          <a:xfrm>
-            <a:off x="2711450" y="266700"/>
-            <a:ext cx="9180513" cy="893763"/>
-          </a:xfrm>
-          <a:prstGeom prst="rect">
-            <a:avLst/>
-          </a:prstGeom>
-        </p:spPr>
-        <p:txBody>
-          <a:bodyPr vert="horz" lIns="0" tIns="0" rIns="0" bIns="0" rtlCol="0" anchor="t" anchorCtr="0">
-            <a:normAutofit/>
-          </a:bodyPr>
-          <a:lstStyle>
-            <a:lvl1pPr>
-              <a:defRPr b="1">
-                <a:solidFill>
-                  <a:schemeClr val="bg1"/>
-                </a:solidFill>
-                <a:effectLst/>
-              </a:defRPr>
-            </a:lvl1pPr>
-          </a:lstStyle>
-          <a:p>
-            <a:r>
-              <a:rPr lang="de-DE" smtClean="0"/>
-              <a:t>Titelmasterformat durch Klicken bearbeiten</a:t>
-            </a:r>
-            <a:endParaRPr lang="de-DE" dirty="0"/>
-          </a:p>
-        </p:txBody>
-      </p:sp>
-    </p:spTree>
-    <p:extLst>
-      <p:ext uri="{BB962C8B-B14F-4D97-AF65-F5344CB8AC3E}">
-        <p14:creationId xmlns:p14="http://schemas.microsoft.com/office/powerpoint/2010/main" val="3632815719"/>
-      </p:ext>
-    </p:extLst>
-  </p:cSld>
-  <p:clrMapOvr>
-    <a:masterClrMapping/>
-  </p:clrMapOvr>
-  <p:timing>
-    <p:tnLst>
-      <p:par>
-        <p:cTn id="1" dur="indefinite" restart="never" nodeType="tmRoot"/>
-      </p:par>
-    </p:tnLst>
-  </p:timing>
-  <p:extLst mod="1">
-    <p:ext uri="{DCECCB84-F9BA-43D5-87BE-67443E8EF086}">
-      <p15:sldGuideLst xmlns:p15="http://schemas.microsoft.com/office/powerpoint/2012/main">
-        <p15:guide id="1" orient="horz" pos="731">
-          <p15:clr>
-            <a:srgbClr val="9FCC3B"/>
-          </p15:clr>
-        </p15:guide>
-        <p15:guide id="2" orient="horz" pos="210">
-          <p15:clr>
-            <a:srgbClr val="9FCC3B"/>
-          </p15:clr>
-        </p15:guide>
-        <p15:guide id="3" pos="1708">
-          <p15:clr>
-            <a:srgbClr val="9FCC3B"/>
-          </p15:clr>
-        </p15:guide>
-        <p15:guide id="4" pos="1481">
-          <p15:clr>
-            <a:srgbClr val="9FCC3B"/>
-          </p15:clr>
-        </p15:guide>
-        <p15:guide id="5" pos="1255">
-          <p15:clr>
-            <a:srgbClr val="9FCC3B"/>
-          </p15:clr>
-        </p15:guide>
-        <p15:guide id="6" pos="211">
-          <p15:clr>
-            <a:srgbClr val="9FCC3B"/>
-          </p15:clr>
-        </p15:guide>
-        <p15:guide id="7" orient="horz" pos="1162">
-          <p15:clr>
-            <a:srgbClr val="000000"/>
-          </p15:clr>
-        </p15:guide>
-        <p15:guide id="8" orient="horz" pos="1525">
-          <p15:clr>
-            <a:srgbClr val="5ACBF0"/>
-          </p15:clr>
-        </p15:guide>
-      </p15:sldGuideLst>
-    </p:ext>
-  </p:extLst>
-</p:sldLayout>
-</file>
-
-<file path=ppt/slideLayouts/slideLayout4.xml><?xml version="1.0" encoding="utf-8"?>
-<p:sldLayout xmlns:a="http://schemas.openxmlformats.org/drawingml/2006/main" xmlns:r="http://schemas.openxmlformats.org/officeDocument/2006/relationships" xmlns:p="http://schemas.openxmlformats.org/presentationml/2006/main" preserve="1" userDrawn="1">
-  <p:cSld name="Kaßberg">
-    <p:spTree>
-      <p:nvGrpSpPr>
-        <p:cNvPr id="1" name=""/>
-        <p:cNvGrpSpPr/>
-        <p:nvPr/>
-      </p:nvGrpSpPr>
-      <p:grpSpPr>
-        <a:xfrm>
-          <a:off x="0" y="0"/>
-          <a:ext cx="0" cy="0"/>
-          <a:chOff x="0" y="0"/>
-          <a:chExt cx="0" cy="0"/>
-        </a:xfrm>
-      </p:grpSpPr>
-      <p:sp>
-        <p:nvSpPr>
-          <p:cNvPr id="8" name="Titelplatzhalter 25"/>
-          <p:cNvSpPr>
-            <a:spLocks noGrp="1"/>
-          </p:cNvSpPr>
-          <p:nvPr>
-            <p:ph type="title"/>
-          </p:nvPr>
-        </p:nvSpPr>
-        <p:spPr>
-          <a:xfrm>
-            <a:off x="2711450" y="266700"/>
-            <a:ext cx="9180513" cy="893763"/>
-          </a:xfrm>
-          <a:prstGeom prst="rect">
-            <a:avLst/>
-          </a:prstGeom>
-        </p:spPr>
-        <p:txBody>
-          <a:bodyPr vert="horz" lIns="0" tIns="0" rIns="0" bIns="0" rtlCol="0" anchor="t" anchorCtr="0">
-            <a:normAutofit/>
-          </a:bodyPr>
-          <a:lstStyle>
-            <a:lvl1pPr>
-              <a:defRPr b="1">
-                <a:solidFill>
-                  <a:schemeClr val="bg1"/>
-                </a:solidFill>
-                <a:effectLst/>
-              </a:defRPr>
-            </a:lvl1pPr>
-          </a:lstStyle>
-          <a:p>
-            <a:r>
-              <a:rPr lang="de-DE" smtClean="0"/>
-              <a:t>Titelmasterformat durch Klicken bearbeiten</a:t>
-            </a:r>
-            <a:endParaRPr lang="de-DE" dirty="0"/>
-          </a:p>
-        </p:txBody>
-      </p:sp>
-      <p:sp>
-        <p:nvSpPr>
-          <p:cNvPr id="13" name="Textplatzhalter 7"/>
-          <p:cNvSpPr>
-            <a:spLocks noGrp="1"/>
-          </p:cNvSpPr>
-          <p:nvPr>
-            <p:ph type="body" sz="quarter" idx="13"/>
-          </p:nvPr>
-        </p:nvSpPr>
-        <p:spPr>
-          <a:xfrm>
-            <a:off x="334963" y="4938395"/>
-            <a:ext cx="11557000" cy="1262380"/>
-          </a:xfrm>
-          <a:prstGeom prst="rect">
-            <a:avLst/>
-          </a:prstGeom>
-        </p:spPr>
-        <p:txBody>
-          <a:bodyPr lIns="0" tIns="0" rIns="0" bIns="0">
-            <a:normAutofit/>
-          </a:bodyPr>
-          <a:lstStyle>
-            <a:lvl1pPr marL="0" indent="0">
-              <a:buFont typeface="Arial" panose="020B0604020202020204" pitchFamily="34" charset="0"/>
-              <a:buNone/>
-              <a:defRPr sz="2800" b="1">
-                <a:solidFill>
-                  <a:schemeClr val="tx1"/>
-                </a:solidFill>
-                <a:latin typeface="Roboto" panose="02000000000000000000" pitchFamily="2" charset="0"/>
-                <a:ea typeface="Roboto" panose="02000000000000000000" pitchFamily="2" charset="0"/>
-              </a:defRPr>
-            </a:lvl1pPr>
-            <a:lvl2pPr>
-              <a:defRPr sz="2400">
-                <a:latin typeface="Roboto" panose="02000000000000000000" pitchFamily="2" charset="0"/>
-                <a:ea typeface="Roboto" panose="02000000000000000000" pitchFamily="2" charset="0"/>
-              </a:defRPr>
-            </a:lvl2pPr>
-            <a:lvl3pPr>
-              <a:defRPr sz="2000">
-                <a:latin typeface="Roboto" panose="02000000000000000000" pitchFamily="2" charset="0"/>
-                <a:ea typeface="Roboto" panose="02000000000000000000" pitchFamily="2" charset="0"/>
-              </a:defRPr>
-            </a:lvl3pPr>
-            <a:lvl4pPr>
-              <a:defRPr sz="2000">
-                <a:latin typeface="Roboto" panose="02000000000000000000" pitchFamily="2" charset="0"/>
-                <a:ea typeface="Roboto" panose="02000000000000000000" pitchFamily="2" charset="0"/>
-              </a:defRPr>
-            </a:lvl4pPr>
-            <a:lvl5pPr>
-              <a:defRPr sz="2000">
-                <a:latin typeface="Roboto" panose="02000000000000000000" pitchFamily="2" charset="0"/>
-                <a:ea typeface="Roboto" panose="02000000000000000000" pitchFamily="2" charset="0"/>
-              </a:defRPr>
-            </a:lvl5pPr>
-          </a:lstStyle>
-          <a:p>
-            <a:pPr lvl="0"/>
-            <a:r>
-              <a:rPr lang="de-DE" smtClean="0"/>
-              <a:t>Textmasterformat bearbeiten</a:t>
-            </a:r>
-          </a:p>
-        </p:txBody>
-      </p:sp>
-      <p:sp>
-        <p:nvSpPr>
-          <p:cNvPr id="14" name="Bildplatzhalter 2"/>
-          <p:cNvSpPr>
-            <a:spLocks noGrp="1"/>
-          </p:cNvSpPr>
-          <p:nvPr>
-            <p:ph type="pic" sz="quarter" idx="10"/>
-          </p:nvPr>
-        </p:nvSpPr>
-        <p:spPr>
-          <a:xfrm>
-            <a:off x="3177540" y="1484313"/>
-            <a:ext cx="4930140" cy="3186747"/>
-          </a:xfrm>
-          <a:prstGeom prst="rect">
-            <a:avLst/>
-          </a:prstGeom>
-        </p:spPr>
-        <p:txBody>
-          <a:bodyPr anchor="b" anchorCtr="0"/>
-          <a:lstStyle>
-            <a:lvl1pPr marL="0" indent="0" algn="ctr">
-              <a:buNone/>
-              <a:defRPr sz="2000">
-                <a:latin typeface="Roboto" panose="02000000000000000000" pitchFamily="2" charset="0"/>
-                <a:ea typeface="Roboto" panose="02000000000000000000" pitchFamily="2" charset="0"/>
-              </a:defRPr>
-            </a:lvl1pPr>
-          </a:lstStyle>
-          <a:p>
-            <a:r>
-              <a:rPr lang="de-DE" smtClean="0"/>
-              <a:t>Bild durch Klicken auf Symbol hinzufügen</a:t>
-            </a:r>
-            <a:endParaRPr lang="de-DE" dirty="0"/>
-          </a:p>
-        </p:txBody>
-      </p:sp>
-      <p:sp>
-        <p:nvSpPr>
-          <p:cNvPr id="9" name="Bildplatzhalter 2"/>
-          <p:cNvSpPr>
-            <a:spLocks noGrp="1"/>
-          </p:cNvSpPr>
-          <p:nvPr>
-            <p:ph type="pic" sz="quarter" idx="14"/>
-          </p:nvPr>
-        </p:nvSpPr>
-        <p:spPr>
-          <a:xfrm>
-            <a:off x="0" y="1484313"/>
-            <a:ext cx="3169920" cy="3186747"/>
-          </a:xfrm>
-          <a:prstGeom prst="rect">
-            <a:avLst/>
-          </a:prstGeom>
-        </p:spPr>
-        <p:txBody>
-          <a:bodyPr anchor="b" anchorCtr="0"/>
-          <a:lstStyle>
-            <a:lvl1pPr marL="0" indent="0" algn="ctr">
-              <a:buNone/>
-              <a:defRPr sz="2000">
-                <a:latin typeface="Roboto" panose="02000000000000000000" pitchFamily="2" charset="0"/>
-                <a:ea typeface="Roboto" panose="02000000000000000000" pitchFamily="2" charset="0"/>
-              </a:defRPr>
-            </a:lvl1pPr>
-          </a:lstStyle>
-          <a:p>
-            <a:r>
-              <a:rPr lang="de-DE" smtClean="0"/>
-              <a:t>Bild durch Klicken auf Symbol hinzufügen</a:t>
-            </a:r>
-            <a:endParaRPr lang="de-DE" dirty="0"/>
-          </a:p>
-        </p:txBody>
-      </p:sp>
-      <p:sp>
-        <p:nvSpPr>
-          <p:cNvPr id="10" name="Bildplatzhalter 2"/>
-          <p:cNvSpPr>
-            <a:spLocks noGrp="1"/>
-          </p:cNvSpPr>
-          <p:nvPr>
-            <p:ph type="pic" sz="quarter" idx="15"/>
-          </p:nvPr>
-        </p:nvSpPr>
-        <p:spPr>
-          <a:xfrm>
-            <a:off x="8115300" y="1484313"/>
-            <a:ext cx="4076700" cy="3186747"/>
-          </a:xfrm>
-          <a:prstGeom prst="rect">
-            <a:avLst/>
-          </a:prstGeom>
-        </p:spPr>
-        <p:txBody>
-          <a:bodyPr anchor="b" anchorCtr="0"/>
-          <a:lstStyle>
-            <a:lvl1pPr marL="0" indent="0" algn="ctr">
-              <a:buNone/>
-              <a:defRPr sz="2000">
-                <a:latin typeface="Roboto" panose="02000000000000000000" pitchFamily="2" charset="0"/>
-                <a:ea typeface="Roboto" panose="02000000000000000000" pitchFamily="2" charset="0"/>
-              </a:defRPr>
-            </a:lvl1pPr>
-          </a:lstStyle>
-          <a:p>
-            <a:r>
-              <a:rPr lang="de-DE" smtClean="0"/>
-              <a:t>Bild durch Klicken auf Symbol hinzufügen</a:t>
-            </a:r>
-            <a:endParaRPr lang="de-DE" dirty="0"/>
-          </a:p>
-        </p:txBody>
-      </p:sp>
-    </p:spTree>
-    <p:extLst>
-      <p:ext uri="{BB962C8B-B14F-4D97-AF65-F5344CB8AC3E}">
-        <p14:creationId xmlns:p14="http://schemas.microsoft.com/office/powerpoint/2010/main" val="3839953490"/>
-      </p:ext>
-    </p:extLst>
-  </p:cSld>
-  <p:clrMapOvr>
-    <a:masterClrMapping/>
-  </p:clrMapOvr>
-  <p:timing>
-    <p:tnLst>
-      <p:par>
-        <p:cTn id="1" dur="indefinite" restart="never" nodeType="tmRoot"/>
-      </p:par>
-    </p:tnLst>
-  </p:timing>
-  <p:extLst mod="1">
-    <p:ext uri="{DCECCB84-F9BA-43D5-87BE-67443E8EF086}">
-      <p15:sldGuideLst xmlns:p15="http://schemas.microsoft.com/office/powerpoint/2012/main">
-        <p15:guide id="1" orient="horz" pos="731">
-          <p15:clr>
-            <a:srgbClr val="9FCC3B"/>
-          </p15:clr>
-        </p15:guide>
-        <p15:guide id="2" orient="horz" pos="210">
-          <p15:clr>
-            <a:srgbClr val="9FCC3B"/>
-          </p15:clr>
-        </p15:guide>
-        <p15:guide id="3" pos="1708">
-          <p15:clr>
-            <a:srgbClr val="9FCC3B"/>
-          </p15:clr>
-        </p15:guide>
-        <p15:guide id="4" pos="1481">
-          <p15:clr>
-            <a:srgbClr val="9FCC3B"/>
-          </p15:clr>
-        </p15:guide>
-        <p15:guide id="5" pos="1255">
-          <p15:clr>
-            <a:srgbClr val="9FCC3B"/>
-          </p15:clr>
-        </p15:guide>
-        <p15:guide id="6" pos="211">
-          <p15:clr>
-            <a:srgbClr val="9FCC3B"/>
-          </p15:clr>
-        </p15:guide>
-        <p15:guide id="7" orient="horz" pos="935" userDrawn="1">
-          <p15:clr>
-            <a:srgbClr val="000000"/>
-          </p15:clr>
-        </p15:guide>
-        <p15:guide id="8" orient="horz" pos="1525">
-          <p15:clr>
-            <a:srgbClr val="5ACBF0"/>
-          </p15:clr>
-        </p15:guide>
-        <p15:guide id="0" pos="3749" userDrawn="1">
-          <p15:clr>
-            <a:srgbClr val="5ACBF0"/>
-          </p15:clr>
-        </p15:guide>
-        <p15:guide id="9" pos="3931" userDrawn="1">
-          <p15:clr>
-            <a:srgbClr val="5ACBF0"/>
-          </p15:clr>
-        </p15:guide>
-      </p15:sldGuideLst>
-    </p:ext>
-  </p:extLst>
-</p:sldLayout>
-</file>
-
-<file path=ppt/slideLayouts/slideLayout5.xml><?xml version="1.0" encoding="utf-8"?>
 <p:sldLayout xmlns:a="http://schemas.openxmlformats.org/drawingml/2006/main" xmlns:r="http://schemas.openxmlformats.org/officeDocument/2006/relationships" xmlns:p="http://schemas.openxmlformats.org/presentationml/2006/main" preserve="1" userDrawn="1">
   <p:cSld name="Reichenhain">
     <p:spTree>
@@ -2842,38 +1242,37 @@
           <a:p>
             <a:pPr lvl="0"/>
             <a:r>
-              <a:rPr lang="de-DE" dirty="0" smtClean="0"/>
+              <a:rPr lang="de-DE" dirty="0"/>
               <a:t>Textmasterformat bearbeiten</a:t>
             </a:r>
           </a:p>
           <a:p>
             <a:pPr lvl="1"/>
             <a:r>
-              <a:rPr lang="de-DE" dirty="0" smtClean="0"/>
+              <a:rPr lang="de-DE" dirty="0"/>
               <a:t>Zweite Ebene</a:t>
             </a:r>
           </a:p>
           <a:p>
             <a:pPr lvl="2"/>
             <a:r>
-              <a:rPr lang="de-DE" dirty="0" smtClean="0"/>
+              <a:rPr lang="de-DE" dirty="0"/>
               <a:t>Dritte Ebene</a:t>
             </a:r>
           </a:p>
           <a:p>
             <a:pPr lvl="3"/>
             <a:r>
-              <a:rPr lang="de-DE" dirty="0" smtClean="0"/>
+              <a:rPr lang="de-DE" dirty="0"/>
               <a:t>Vierte Ebene</a:t>
             </a:r>
           </a:p>
           <a:p>
             <a:pPr lvl="4"/>
             <a:r>
-              <a:rPr lang="de-DE" dirty="0" smtClean="0"/>
+              <a:rPr lang="de-DE" dirty="0"/>
               <a:t>Fünfte Ebene</a:t>
             </a:r>
-            <a:endParaRPr lang="de-DE" dirty="0"/>
           </a:p>
         </p:txBody>
       </p:sp>
@@ -2903,10 +1302,9 @@
           <a:lstStyle/>
           <a:p>
             <a:r>
-              <a:rPr lang="de-DE" dirty="0" smtClean="0"/>
+              <a:rPr lang="de-DE" dirty="0"/>
               <a:t>Titelmasterformat durch Klicken bearbeiten</a:t>
             </a:r>
-            <a:endParaRPr lang="de-DE" dirty="0"/>
           </a:p>
         </p:txBody>
       </p:sp>
@@ -2973,7 +1371,7 @@
           <a:p>
             <a:pPr lvl="0"/>
             <a:r>
-              <a:rPr lang="de-DE" dirty="0" smtClean="0"/>
+              <a:rPr lang="de-DE" dirty="0"/>
               <a:t>Textmasterformat bearbeiten</a:t>
             </a:r>
           </a:p>
@@ -2989,1265 +1387,6 @@
   <p:clrMapOvr>
     <a:masterClrMapping/>
   </p:clrMapOvr>
-  <p:timing>
-    <p:tnLst>
-      <p:par>
-        <p:cTn id="1" dur="indefinite" restart="never" nodeType="tmRoot"/>
-      </p:par>
-    </p:tnLst>
-  </p:timing>
-</p:sldLayout>
-</file>
-
-<file path=ppt/slideLayouts/slideLayout6.xml><?xml version="1.0" encoding="utf-8"?>
-<p:sldLayout xmlns:a="http://schemas.openxmlformats.org/drawingml/2006/main" xmlns:r="http://schemas.openxmlformats.org/officeDocument/2006/relationships" xmlns:p="http://schemas.openxmlformats.org/presentationml/2006/main" preserve="1" userDrawn="1">
-  <p:cSld name="Euba">
-    <p:spTree>
-      <p:nvGrpSpPr>
-        <p:cNvPr id="1" name=""/>
-        <p:cNvGrpSpPr/>
-        <p:nvPr/>
-      </p:nvGrpSpPr>
-      <p:grpSpPr>
-        <a:xfrm>
-          <a:off x="0" y="0"/>
-          <a:ext cx="0" cy="0"/>
-          <a:chOff x="0" y="0"/>
-          <a:chExt cx="0" cy="0"/>
-        </a:xfrm>
-      </p:grpSpPr>
-      <p:sp>
-        <p:nvSpPr>
-          <p:cNvPr id="7" name="Textplatzhalter 7"/>
-          <p:cNvSpPr>
-            <a:spLocks noGrp="1"/>
-          </p:cNvSpPr>
-          <p:nvPr>
-            <p:ph type="body" sz="quarter" idx="11"/>
-          </p:nvPr>
-        </p:nvSpPr>
-        <p:spPr>
-          <a:xfrm>
-            <a:off x="6203950" y="2060574"/>
-            <a:ext cx="5795963" cy="4284663"/>
-          </a:xfrm>
-          <a:prstGeom prst="rect">
-            <a:avLst/>
-          </a:prstGeom>
-        </p:spPr>
-        <p:txBody>
-          <a:bodyPr>
-            <a:normAutofit/>
-          </a:bodyPr>
-          <a:lstStyle>
-            <a:lvl1pPr>
-              <a:defRPr sz="2800">
-                <a:latin typeface="Roboto" panose="02000000000000000000" pitchFamily="2" charset="0"/>
-                <a:ea typeface="Roboto" panose="02000000000000000000" pitchFamily="2" charset="0"/>
-              </a:defRPr>
-            </a:lvl1pPr>
-            <a:lvl2pPr>
-              <a:defRPr sz="2400">
-                <a:latin typeface="Roboto" panose="02000000000000000000" pitchFamily="2" charset="0"/>
-                <a:ea typeface="Roboto" panose="02000000000000000000" pitchFamily="2" charset="0"/>
-              </a:defRPr>
-            </a:lvl2pPr>
-            <a:lvl3pPr>
-              <a:defRPr sz="2000">
-                <a:latin typeface="Roboto" panose="02000000000000000000" pitchFamily="2" charset="0"/>
-                <a:ea typeface="Roboto" panose="02000000000000000000" pitchFamily="2" charset="0"/>
-              </a:defRPr>
-            </a:lvl3pPr>
-            <a:lvl4pPr>
-              <a:defRPr sz="2000">
-                <a:latin typeface="Roboto" panose="02000000000000000000" pitchFamily="2" charset="0"/>
-                <a:ea typeface="Roboto" panose="02000000000000000000" pitchFamily="2" charset="0"/>
-              </a:defRPr>
-            </a:lvl4pPr>
-            <a:lvl5pPr>
-              <a:defRPr sz="2000">
-                <a:latin typeface="Roboto" panose="02000000000000000000" pitchFamily="2" charset="0"/>
-                <a:ea typeface="Roboto" panose="02000000000000000000" pitchFamily="2" charset="0"/>
-              </a:defRPr>
-            </a:lvl5pPr>
-          </a:lstStyle>
-          <a:p>
-            <a:pPr lvl="0"/>
-            <a:r>
-              <a:rPr lang="de-DE" dirty="0" smtClean="0"/>
-              <a:t>Textmasterformat bearbeiten</a:t>
-            </a:r>
-          </a:p>
-          <a:p>
-            <a:pPr lvl="1"/>
-            <a:r>
-              <a:rPr lang="de-DE" dirty="0" smtClean="0"/>
-              <a:t>Zweite Ebene</a:t>
-            </a:r>
-          </a:p>
-          <a:p>
-            <a:pPr lvl="2"/>
-            <a:r>
-              <a:rPr lang="de-DE" dirty="0" smtClean="0"/>
-              <a:t>Dritte Ebene</a:t>
-            </a:r>
-          </a:p>
-          <a:p>
-            <a:pPr lvl="3"/>
-            <a:r>
-              <a:rPr lang="de-DE" dirty="0" smtClean="0"/>
-              <a:t>Vierte Ebene</a:t>
-            </a:r>
-          </a:p>
-          <a:p>
-            <a:pPr lvl="4"/>
-            <a:r>
-              <a:rPr lang="de-DE" dirty="0" smtClean="0"/>
-              <a:t>Fünfte Ebene</a:t>
-            </a:r>
-            <a:endParaRPr lang="de-DE" dirty="0"/>
-          </a:p>
-        </p:txBody>
-      </p:sp>
-      <p:sp>
-        <p:nvSpPr>
-          <p:cNvPr id="9" name="Titel 3"/>
-          <p:cNvSpPr>
-            <a:spLocks noGrp="1"/>
-          </p:cNvSpPr>
-          <p:nvPr>
-            <p:ph type="title"/>
-          </p:nvPr>
-        </p:nvSpPr>
-        <p:spPr>
-          <a:xfrm>
-            <a:off x="1558925" y="152400"/>
-            <a:ext cx="10440988" cy="468314"/>
-          </a:xfrm>
-          <a:prstGeom prst="rect">
-            <a:avLst/>
-          </a:prstGeom>
-        </p:spPr>
-        <p:txBody>
-          <a:bodyPr lIns="0" tIns="0" rIns="0" bIns="0">
-            <a:normAutofit/>
-          </a:bodyPr>
-          <a:lstStyle/>
-          <a:p>
-            <a:r>
-              <a:rPr lang="de-DE" dirty="0" smtClean="0"/>
-              <a:t>Titelmasterformat durch Klicken bearbeiten</a:t>
-            </a:r>
-            <a:endParaRPr lang="de-DE" dirty="0"/>
-          </a:p>
-        </p:txBody>
-      </p:sp>
-      <p:sp>
-        <p:nvSpPr>
-          <p:cNvPr id="10" name="Textplatzhalter 7"/>
-          <p:cNvSpPr>
-            <a:spLocks noGrp="1"/>
-          </p:cNvSpPr>
-          <p:nvPr>
-            <p:ph type="body" sz="quarter" idx="13"/>
-          </p:nvPr>
-        </p:nvSpPr>
-        <p:spPr>
-          <a:xfrm>
-            <a:off x="192088" y="908050"/>
-            <a:ext cx="11807825" cy="928370"/>
-          </a:xfrm>
-          <a:prstGeom prst="rect">
-            <a:avLst/>
-          </a:prstGeom>
-        </p:spPr>
-        <p:txBody>
-          <a:bodyPr lIns="0" tIns="0" rIns="0" bIns="0">
-            <a:normAutofit/>
-          </a:bodyPr>
-          <a:lstStyle>
-            <a:lvl1pPr marL="0" indent="0">
-              <a:buFont typeface="Arial" panose="020B0604020202020204" pitchFamily="34" charset="0"/>
-              <a:buNone/>
-              <a:defRPr sz="2800" b="1">
-                <a:solidFill>
-                  <a:schemeClr val="tx1"/>
-                </a:solidFill>
-                <a:latin typeface="Roboto" panose="02000000000000000000" pitchFamily="2" charset="0"/>
-                <a:ea typeface="Roboto" panose="02000000000000000000" pitchFamily="2" charset="0"/>
-              </a:defRPr>
-            </a:lvl1pPr>
-            <a:lvl2pPr>
-              <a:defRPr sz="2400">
-                <a:latin typeface="Roboto" panose="02000000000000000000" pitchFamily="2" charset="0"/>
-                <a:ea typeface="Roboto" panose="02000000000000000000" pitchFamily="2" charset="0"/>
-              </a:defRPr>
-            </a:lvl2pPr>
-            <a:lvl3pPr>
-              <a:defRPr sz="2000">
-                <a:latin typeface="Roboto" panose="02000000000000000000" pitchFamily="2" charset="0"/>
-                <a:ea typeface="Roboto" panose="02000000000000000000" pitchFamily="2" charset="0"/>
-              </a:defRPr>
-            </a:lvl3pPr>
-            <a:lvl4pPr>
-              <a:defRPr sz="2000">
-                <a:latin typeface="Roboto" panose="02000000000000000000" pitchFamily="2" charset="0"/>
-                <a:ea typeface="Roboto" panose="02000000000000000000" pitchFamily="2" charset="0"/>
-              </a:defRPr>
-            </a:lvl4pPr>
-            <a:lvl5pPr>
-              <a:defRPr sz="2000">
-                <a:latin typeface="Roboto" panose="02000000000000000000" pitchFamily="2" charset="0"/>
-                <a:ea typeface="Roboto" panose="02000000000000000000" pitchFamily="2" charset="0"/>
-              </a:defRPr>
-            </a:lvl5pPr>
-          </a:lstStyle>
-          <a:p>
-            <a:pPr lvl="0"/>
-            <a:r>
-              <a:rPr lang="de-DE" dirty="0" smtClean="0"/>
-              <a:t>Textmasterformat bearbeiten</a:t>
-            </a:r>
-          </a:p>
-        </p:txBody>
-      </p:sp>
-      <p:sp>
-        <p:nvSpPr>
-          <p:cNvPr id="5" name="Bildplatzhalter 2"/>
-          <p:cNvSpPr>
-            <a:spLocks noGrp="1"/>
-          </p:cNvSpPr>
-          <p:nvPr>
-            <p:ph type="pic" sz="quarter" idx="10"/>
-          </p:nvPr>
-        </p:nvSpPr>
-        <p:spPr>
-          <a:xfrm>
-            <a:off x="192089" y="2060575"/>
-            <a:ext cx="5795962" cy="4284663"/>
-          </a:xfrm>
-          <a:prstGeom prst="rect">
-            <a:avLst/>
-          </a:prstGeom>
-        </p:spPr>
-        <p:txBody>
-          <a:bodyPr anchor="b" anchorCtr="0"/>
-          <a:lstStyle>
-            <a:lvl1pPr marL="0" indent="0" algn="ctr">
-              <a:buNone/>
-              <a:defRPr sz="2000">
-                <a:latin typeface="Roboto" panose="02000000000000000000" pitchFamily="2" charset="0"/>
-                <a:ea typeface="Roboto" panose="02000000000000000000" pitchFamily="2" charset="0"/>
-              </a:defRPr>
-            </a:lvl1pPr>
-          </a:lstStyle>
-          <a:p>
-            <a:r>
-              <a:rPr lang="de-DE" dirty="0" smtClean="0"/>
-              <a:t>Bild durch Klicken auf Symbol hinzufügen</a:t>
-            </a:r>
-            <a:endParaRPr lang="de-DE" dirty="0"/>
-          </a:p>
-        </p:txBody>
-      </p:sp>
-    </p:spTree>
-    <p:extLst>
-      <p:ext uri="{BB962C8B-B14F-4D97-AF65-F5344CB8AC3E}">
-        <p14:creationId xmlns:p14="http://schemas.microsoft.com/office/powerpoint/2010/main" val="2094367752"/>
-      </p:ext>
-    </p:extLst>
-  </p:cSld>
-  <p:clrMapOvr>
-    <a:masterClrMapping/>
-  </p:clrMapOvr>
-  <p:timing>
-    <p:tnLst>
-      <p:par>
-        <p:cTn id="1" dur="indefinite" restart="never" nodeType="tmRoot"/>
-      </p:par>
-    </p:tnLst>
-  </p:timing>
-  <p:extLst>
-    <p:ext uri="{DCECCB84-F9BA-43D5-87BE-67443E8EF086}">
-      <p15:sldGuideLst xmlns:p15="http://schemas.microsoft.com/office/powerpoint/2012/main">
-        <p15:guide id="1" pos="3772" userDrawn="1">
-          <p15:clr>
-            <a:srgbClr val="5ACBF0"/>
-          </p15:clr>
-        </p15:guide>
-        <p15:guide id="2" pos="3908" userDrawn="1">
-          <p15:clr>
-            <a:srgbClr val="5ACBF0"/>
-          </p15:clr>
-        </p15:guide>
-        <p15:guide id="3" orient="horz" pos="1298" userDrawn="1">
-          <p15:clr>
-            <a:srgbClr val="5ACBF0"/>
-          </p15:clr>
-        </p15:guide>
-        <p15:guide id="4" orient="horz" pos="1162" userDrawn="1">
-          <p15:clr>
-            <a:srgbClr val="5ACBF0"/>
-          </p15:clr>
-        </p15:guide>
-      </p15:sldGuideLst>
-    </p:ext>
-  </p:extLst>
-</p:sldLayout>
-</file>
-
-<file path=ppt/slideLayouts/slideLayout7.xml><?xml version="1.0" encoding="utf-8"?>
-<p:sldLayout xmlns:a="http://schemas.openxmlformats.org/drawingml/2006/main" xmlns:r="http://schemas.openxmlformats.org/officeDocument/2006/relationships" xmlns:p="http://schemas.openxmlformats.org/presentationml/2006/main" preserve="1" userDrawn="1">
-  <p:cSld name="Einsiedel">
-    <p:spTree>
-      <p:nvGrpSpPr>
-        <p:cNvPr id="1" name=""/>
-        <p:cNvGrpSpPr/>
-        <p:nvPr/>
-      </p:nvGrpSpPr>
-      <p:grpSpPr>
-        <a:xfrm>
-          <a:off x="0" y="0"/>
-          <a:ext cx="0" cy="0"/>
-          <a:chOff x="0" y="0"/>
-          <a:chExt cx="0" cy="0"/>
-        </a:xfrm>
-      </p:grpSpPr>
-      <p:sp>
-        <p:nvSpPr>
-          <p:cNvPr id="7" name="Textplatzhalter 7"/>
-          <p:cNvSpPr>
-            <a:spLocks noGrp="1"/>
-          </p:cNvSpPr>
-          <p:nvPr>
-            <p:ph type="body" sz="quarter" idx="11"/>
-          </p:nvPr>
-        </p:nvSpPr>
-        <p:spPr>
-          <a:xfrm>
-            <a:off x="192088" y="4618672"/>
-            <a:ext cx="5795962" cy="1726566"/>
-          </a:xfrm>
-          <a:prstGeom prst="rect">
-            <a:avLst/>
-          </a:prstGeom>
-        </p:spPr>
-        <p:txBody>
-          <a:bodyPr>
-            <a:normAutofit/>
-          </a:bodyPr>
-          <a:lstStyle>
-            <a:lvl1pPr>
-              <a:defRPr sz="2400">
-                <a:latin typeface="Roboto" panose="02000000000000000000" pitchFamily="2" charset="0"/>
-                <a:ea typeface="Roboto" panose="02000000000000000000" pitchFamily="2" charset="0"/>
-              </a:defRPr>
-            </a:lvl1pPr>
-            <a:lvl2pPr>
-              <a:defRPr sz="2000">
-                <a:latin typeface="Roboto" panose="02000000000000000000" pitchFamily="2" charset="0"/>
-                <a:ea typeface="Roboto" panose="02000000000000000000" pitchFamily="2" charset="0"/>
-              </a:defRPr>
-            </a:lvl2pPr>
-            <a:lvl3pPr>
-              <a:defRPr sz="2000">
-                <a:latin typeface="Roboto" panose="02000000000000000000" pitchFamily="2" charset="0"/>
-                <a:ea typeface="Roboto" panose="02000000000000000000" pitchFamily="2" charset="0"/>
-              </a:defRPr>
-            </a:lvl3pPr>
-            <a:lvl4pPr>
-              <a:defRPr sz="2000">
-                <a:latin typeface="Roboto" panose="02000000000000000000" pitchFamily="2" charset="0"/>
-                <a:ea typeface="Roboto" panose="02000000000000000000" pitchFamily="2" charset="0"/>
-              </a:defRPr>
-            </a:lvl4pPr>
-            <a:lvl5pPr>
-              <a:defRPr sz="2000">
-                <a:latin typeface="Roboto" panose="02000000000000000000" pitchFamily="2" charset="0"/>
-                <a:ea typeface="Roboto" panose="02000000000000000000" pitchFamily="2" charset="0"/>
-              </a:defRPr>
-            </a:lvl5pPr>
-          </a:lstStyle>
-          <a:p>
-            <a:pPr lvl="0"/>
-            <a:r>
-              <a:rPr lang="de-DE" dirty="0" smtClean="0"/>
-              <a:t>Textmasterformat bearbeiten</a:t>
-            </a:r>
-          </a:p>
-          <a:p>
-            <a:pPr lvl="1"/>
-            <a:r>
-              <a:rPr lang="de-DE" dirty="0" smtClean="0"/>
-              <a:t>Zweite Ebene</a:t>
-            </a:r>
-          </a:p>
-        </p:txBody>
-      </p:sp>
-      <p:sp>
-        <p:nvSpPr>
-          <p:cNvPr id="9" name="Titel 3"/>
-          <p:cNvSpPr>
-            <a:spLocks noGrp="1"/>
-          </p:cNvSpPr>
-          <p:nvPr>
-            <p:ph type="title"/>
-          </p:nvPr>
-        </p:nvSpPr>
-        <p:spPr>
-          <a:xfrm>
-            <a:off x="1558925" y="152400"/>
-            <a:ext cx="10440988" cy="468314"/>
-          </a:xfrm>
-          <a:prstGeom prst="rect">
-            <a:avLst/>
-          </a:prstGeom>
-        </p:spPr>
-        <p:txBody>
-          <a:bodyPr lIns="0" tIns="0" rIns="0" bIns="0">
-            <a:normAutofit/>
-          </a:bodyPr>
-          <a:lstStyle/>
-          <a:p>
-            <a:r>
-              <a:rPr lang="de-DE" dirty="0" smtClean="0"/>
-              <a:t>Titelmasterformat durch Klicken bearbeiten</a:t>
-            </a:r>
-            <a:endParaRPr lang="de-DE" dirty="0"/>
-          </a:p>
-        </p:txBody>
-      </p:sp>
-      <p:sp>
-        <p:nvSpPr>
-          <p:cNvPr id="10" name="Textplatzhalter 7"/>
-          <p:cNvSpPr>
-            <a:spLocks noGrp="1"/>
-          </p:cNvSpPr>
-          <p:nvPr>
-            <p:ph type="body" sz="quarter" idx="13"/>
-          </p:nvPr>
-        </p:nvSpPr>
-        <p:spPr>
-          <a:xfrm>
-            <a:off x="192088" y="908050"/>
-            <a:ext cx="11807825" cy="928370"/>
-          </a:xfrm>
-          <a:prstGeom prst="rect">
-            <a:avLst/>
-          </a:prstGeom>
-        </p:spPr>
-        <p:txBody>
-          <a:bodyPr lIns="0" tIns="0" rIns="0" bIns="0">
-            <a:normAutofit/>
-          </a:bodyPr>
-          <a:lstStyle>
-            <a:lvl1pPr marL="0" indent="0">
-              <a:buFont typeface="Arial" panose="020B0604020202020204" pitchFamily="34" charset="0"/>
-              <a:buNone/>
-              <a:defRPr sz="2800" b="1">
-                <a:solidFill>
-                  <a:schemeClr val="tx1"/>
-                </a:solidFill>
-                <a:latin typeface="Roboto" panose="02000000000000000000" pitchFamily="2" charset="0"/>
-                <a:ea typeface="Roboto" panose="02000000000000000000" pitchFamily="2" charset="0"/>
-              </a:defRPr>
-            </a:lvl1pPr>
-            <a:lvl2pPr>
-              <a:defRPr sz="2400">
-                <a:latin typeface="Roboto" panose="02000000000000000000" pitchFamily="2" charset="0"/>
-                <a:ea typeface="Roboto" panose="02000000000000000000" pitchFamily="2" charset="0"/>
-              </a:defRPr>
-            </a:lvl2pPr>
-            <a:lvl3pPr>
-              <a:defRPr sz="2000">
-                <a:latin typeface="Roboto" panose="02000000000000000000" pitchFamily="2" charset="0"/>
-                <a:ea typeface="Roboto" panose="02000000000000000000" pitchFamily="2" charset="0"/>
-              </a:defRPr>
-            </a:lvl3pPr>
-            <a:lvl4pPr>
-              <a:defRPr sz="2000">
-                <a:latin typeface="Roboto" panose="02000000000000000000" pitchFamily="2" charset="0"/>
-                <a:ea typeface="Roboto" panose="02000000000000000000" pitchFamily="2" charset="0"/>
-              </a:defRPr>
-            </a:lvl4pPr>
-            <a:lvl5pPr>
-              <a:defRPr sz="2000">
-                <a:latin typeface="Roboto" panose="02000000000000000000" pitchFamily="2" charset="0"/>
-                <a:ea typeface="Roboto" panose="02000000000000000000" pitchFamily="2" charset="0"/>
-              </a:defRPr>
-            </a:lvl5pPr>
-          </a:lstStyle>
-          <a:p>
-            <a:pPr lvl="0"/>
-            <a:r>
-              <a:rPr lang="de-DE" dirty="0" smtClean="0"/>
-              <a:t>Textmasterformat bearbeiten</a:t>
-            </a:r>
-          </a:p>
-        </p:txBody>
-      </p:sp>
-      <p:sp>
-        <p:nvSpPr>
-          <p:cNvPr id="5" name="Bildplatzhalter 2"/>
-          <p:cNvSpPr>
-            <a:spLocks noGrp="1"/>
-          </p:cNvSpPr>
-          <p:nvPr>
-            <p:ph type="pic" sz="quarter" idx="10"/>
-          </p:nvPr>
-        </p:nvSpPr>
-        <p:spPr>
-          <a:xfrm>
-            <a:off x="192089" y="2060575"/>
-            <a:ext cx="5795962" cy="2366645"/>
-          </a:xfrm>
-          <a:prstGeom prst="rect">
-            <a:avLst/>
-          </a:prstGeom>
-        </p:spPr>
-        <p:txBody>
-          <a:bodyPr anchor="b" anchorCtr="0"/>
-          <a:lstStyle>
-            <a:lvl1pPr marL="0" indent="0" algn="ctr">
-              <a:buNone/>
-              <a:defRPr sz="2000">
-                <a:latin typeface="Roboto" panose="02000000000000000000" pitchFamily="2" charset="0"/>
-                <a:ea typeface="Roboto" panose="02000000000000000000" pitchFamily="2" charset="0"/>
-              </a:defRPr>
-            </a:lvl1pPr>
-          </a:lstStyle>
-          <a:p>
-            <a:r>
-              <a:rPr lang="de-DE" dirty="0" smtClean="0"/>
-              <a:t>Bild durch Klicken auf Symbol hinzufügen</a:t>
-            </a:r>
-            <a:endParaRPr lang="de-DE" dirty="0"/>
-          </a:p>
-        </p:txBody>
-      </p:sp>
-      <p:sp>
-        <p:nvSpPr>
-          <p:cNvPr id="6" name="Textplatzhalter 7"/>
-          <p:cNvSpPr>
-            <a:spLocks noGrp="1"/>
-          </p:cNvSpPr>
-          <p:nvPr>
-            <p:ph type="body" sz="quarter" idx="14"/>
-          </p:nvPr>
-        </p:nvSpPr>
-        <p:spPr>
-          <a:xfrm>
-            <a:off x="6203950" y="4618672"/>
-            <a:ext cx="5795962" cy="1726566"/>
-          </a:xfrm>
-          <a:prstGeom prst="rect">
-            <a:avLst/>
-          </a:prstGeom>
-        </p:spPr>
-        <p:txBody>
-          <a:bodyPr>
-            <a:normAutofit/>
-          </a:bodyPr>
-          <a:lstStyle>
-            <a:lvl1pPr>
-              <a:defRPr sz="2400">
-                <a:latin typeface="Roboto" panose="02000000000000000000" pitchFamily="2" charset="0"/>
-                <a:ea typeface="Roboto" panose="02000000000000000000" pitchFamily="2" charset="0"/>
-              </a:defRPr>
-            </a:lvl1pPr>
-            <a:lvl2pPr>
-              <a:defRPr sz="2000">
-                <a:latin typeface="Roboto" panose="02000000000000000000" pitchFamily="2" charset="0"/>
-                <a:ea typeface="Roboto" panose="02000000000000000000" pitchFamily="2" charset="0"/>
-              </a:defRPr>
-            </a:lvl2pPr>
-            <a:lvl3pPr>
-              <a:defRPr sz="2000">
-                <a:latin typeface="Roboto" panose="02000000000000000000" pitchFamily="2" charset="0"/>
-                <a:ea typeface="Roboto" panose="02000000000000000000" pitchFamily="2" charset="0"/>
-              </a:defRPr>
-            </a:lvl3pPr>
-            <a:lvl4pPr>
-              <a:defRPr sz="2000">
-                <a:latin typeface="Roboto" panose="02000000000000000000" pitchFamily="2" charset="0"/>
-                <a:ea typeface="Roboto" panose="02000000000000000000" pitchFamily="2" charset="0"/>
-              </a:defRPr>
-            </a:lvl4pPr>
-            <a:lvl5pPr>
-              <a:defRPr sz="2000">
-                <a:latin typeface="Roboto" panose="02000000000000000000" pitchFamily="2" charset="0"/>
-                <a:ea typeface="Roboto" panose="02000000000000000000" pitchFamily="2" charset="0"/>
-              </a:defRPr>
-            </a:lvl5pPr>
-          </a:lstStyle>
-          <a:p>
-            <a:pPr lvl="0"/>
-            <a:r>
-              <a:rPr lang="de-DE" dirty="0" smtClean="0"/>
-              <a:t>Textmasterformat bearbeiten</a:t>
-            </a:r>
-          </a:p>
-          <a:p>
-            <a:pPr lvl="1"/>
-            <a:r>
-              <a:rPr lang="de-DE" dirty="0" smtClean="0"/>
-              <a:t>Zweite Ebene</a:t>
-            </a:r>
-          </a:p>
-        </p:txBody>
-      </p:sp>
-      <p:sp>
-        <p:nvSpPr>
-          <p:cNvPr id="8" name="Bildplatzhalter 2"/>
-          <p:cNvSpPr>
-            <a:spLocks noGrp="1"/>
-          </p:cNvSpPr>
-          <p:nvPr>
-            <p:ph type="pic" sz="quarter" idx="15"/>
-          </p:nvPr>
-        </p:nvSpPr>
-        <p:spPr>
-          <a:xfrm>
-            <a:off x="6203951" y="2060575"/>
-            <a:ext cx="5795962" cy="2366645"/>
-          </a:xfrm>
-          <a:prstGeom prst="rect">
-            <a:avLst/>
-          </a:prstGeom>
-        </p:spPr>
-        <p:txBody>
-          <a:bodyPr anchor="b" anchorCtr="0"/>
-          <a:lstStyle>
-            <a:lvl1pPr marL="0" indent="0" algn="ctr">
-              <a:buNone/>
-              <a:defRPr sz="2000">
-                <a:latin typeface="Roboto" panose="02000000000000000000" pitchFamily="2" charset="0"/>
-                <a:ea typeface="Roboto" panose="02000000000000000000" pitchFamily="2" charset="0"/>
-              </a:defRPr>
-            </a:lvl1pPr>
-          </a:lstStyle>
-          <a:p>
-            <a:r>
-              <a:rPr lang="de-DE" dirty="0" smtClean="0"/>
-              <a:t>Bild durch Klicken auf Symbol hinzufügen</a:t>
-            </a:r>
-            <a:endParaRPr lang="de-DE" dirty="0"/>
-          </a:p>
-        </p:txBody>
-      </p:sp>
-    </p:spTree>
-    <p:extLst>
-      <p:ext uri="{BB962C8B-B14F-4D97-AF65-F5344CB8AC3E}">
-        <p14:creationId xmlns:p14="http://schemas.microsoft.com/office/powerpoint/2010/main" val="582432742"/>
-      </p:ext>
-    </p:extLst>
-  </p:cSld>
-  <p:clrMapOvr>
-    <a:masterClrMapping/>
-  </p:clrMapOvr>
-  <p:timing>
-    <p:tnLst>
-      <p:par>
-        <p:cTn id="1" dur="indefinite" restart="never" nodeType="tmRoot"/>
-      </p:par>
-    </p:tnLst>
-  </p:timing>
-  <p:extLst>
-    <p:ext uri="{DCECCB84-F9BA-43D5-87BE-67443E8EF086}">
-      <p15:sldGuideLst xmlns:p15="http://schemas.microsoft.com/office/powerpoint/2012/main">
-        <p15:guide id="1" pos="3772">
-          <p15:clr>
-            <a:srgbClr val="5ACBF0"/>
-          </p15:clr>
-        </p15:guide>
-        <p15:guide id="2" pos="3908">
-          <p15:clr>
-            <a:srgbClr val="5ACBF0"/>
-          </p15:clr>
-        </p15:guide>
-        <p15:guide id="3" orient="horz" pos="1298">
-          <p15:clr>
-            <a:srgbClr val="5ACBF0"/>
-          </p15:clr>
-        </p15:guide>
-        <p15:guide id="4" orient="horz" pos="1162">
-          <p15:clr>
-            <a:srgbClr val="5ACBF0"/>
-          </p15:clr>
-        </p15:guide>
-      </p15:sldGuideLst>
-    </p:ext>
-  </p:extLst>
-</p:sldLayout>
-</file>
-
-<file path=ppt/slideLayouts/slideLayout8.xml><?xml version="1.0" encoding="utf-8"?>
-<p:sldLayout xmlns:a="http://schemas.openxmlformats.org/drawingml/2006/main" xmlns:r="http://schemas.openxmlformats.org/officeDocument/2006/relationships" xmlns:p="http://schemas.openxmlformats.org/presentationml/2006/main" preserve="1" userDrawn="1">
-  <p:cSld name="Rabenstein">
-    <p:spTree>
-      <p:nvGrpSpPr>
-        <p:cNvPr id="1" name=""/>
-        <p:cNvGrpSpPr/>
-        <p:nvPr/>
-      </p:nvGrpSpPr>
-      <p:grpSpPr>
-        <a:xfrm>
-          <a:off x="0" y="0"/>
-          <a:ext cx="0" cy="0"/>
-          <a:chOff x="0" y="0"/>
-          <a:chExt cx="0" cy="0"/>
-        </a:xfrm>
-      </p:grpSpPr>
-      <p:sp>
-        <p:nvSpPr>
-          <p:cNvPr id="9" name="Titel 3"/>
-          <p:cNvSpPr>
-            <a:spLocks noGrp="1"/>
-          </p:cNvSpPr>
-          <p:nvPr>
-            <p:ph type="title"/>
-          </p:nvPr>
-        </p:nvSpPr>
-        <p:spPr>
-          <a:xfrm>
-            <a:off x="1558925" y="152400"/>
-            <a:ext cx="10440988" cy="468314"/>
-          </a:xfrm>
-          <a:prstGeom prst="rect">
-            <a:avLst/>
-          </a:prstGeom>
-        </p:spPr>
-        <p:txBody>
-          <a:bodyPr lIns="0" tIns="0" rIns="0" bIns="0">
-            <a:normAutofit/>
-          </a:bodyPr>
-          <a:lstStyle/>
-          <a:p>
-            <a:r>
-              <a:rPr lang="de-DE" dirty="0" smtClean="0"/>
-              <a:t>Titelmasterformat durch Klicken bearbeiten</a:t>
-            </a:r>
-            <a:endParaRPr lang="de-DE" dirty="0"/>
-          </a:p>
-        </p:txBody>
-      </p:sp>
-      <p:sp>
-        <p:nvSpPr>
-          <p:cNvPr id="10" name="Textplatzhalter 7"/>
-          <p:cNvSpPr>
-            <a:spLocks noGrp="1"/>
-          </p:cNvSpPr>
-          <p:nvPr>
-            <p:ph type="body" sz="quarter" idx="13"/>
-          </p:nvPr>
-        </p:nvSpPr>
-        <p:spPr>
-          <a:xfrm>
-            <a:off x="192088" y="908050"/>
-            <a:ext cx="11807825" cy="928370"/>
-          </a:xfrm>
-          <a:prstGeom prst="rect">
-            <a:avLst/>
-          </a:prstGeom>
-        </p:spPr>
-        <p:txBody>
-          <a:bodyPr lIns="0" tIns="0" rIns="0" bIns="0">
-            <a:normAutofit/>
-          </a:bodyPr>
-          <a:lstStyle>
-            <a:lvl1pPr marL="0" indent="0">
-              <a:buFont typeface="Arial" panose="020B0604020202020204" pitchFamily="34" charset="0"/>
-              <a:buNone/>
-              <a:defRPr sz="2800" b="1">
-                <a:solidFill>
-                  <a:schemeClr val="tx1"/>
-                </a:solidFill>
-                <a:latin typeface="Roboto" panose="02000000000000000000" pitchFamily="2" charset="0"/>
-                <a:ea typeface="Roboto" panose="02000000000000000000" pitchFamily="2" charset="0"/>
-              </a:defRPr>
-            </a:lvl1pPr>
-            <a:lvl2pPr>
-              <a:defRPr sz="2400">
-                <a:latin typeface="Roboto" panose="02000000000000000000" pitchFamily="2" charset="0"/>
-                <a:ea typeface="Roboto" panose="02000000000000000000" pitchFamily="2" charset="0"/>
-              </a:defRPr>
-            </a:lvl2pPr>
-            <a:lvl3pPr>
-              <a:defRPr sz="2000">
-                <a:latin typeface="Roboto" panose="02000000000000000000" pitchFamily="2" charset="0"/>
-                <a:ea typeface="Roboto" panose="02000000000000000000" pitchFamily="2" charset="0"/>
-              </a:defRPr>
-            </a:lvl3pPr>
-            <a:lvl4pPr>
-              <a:defRPr sz="2000">
-                <a:latin typeface="Roboto" panose="02000000000000000000" pitchFamily="2" charset="0"/>
-                <a:ea typeface="Roboto" panose="02000000000000000000" pitchFamily="2" charset="0"/>
-              </a:defRPr>
-            </a:lvl4pPr>
-            <a:lvl5pPr>
-              <a:defRPr sz="2000">
-                <a:latin typeface="Roboto" panose="02000000000000000000" pitchFamily="2" charset="0"/>
-                <a:ea typeface="Roboto" panose="02000000000000000000" pitchFamily="2" charset="0"/>
-              </a:defRPr>
-            </a:lvl5pPr>
-          </a:lstStyle>
-          <a:p>
-            <a:pPr lvl="0"/>
-            <a:r>
-              <a:rPr lang="de-DE" dirty="0" smtClean="0"/>
-              <a:t>Textmasterformat bearbeiten</a:t>
-            </a:r>
-          </a:p>
-        </p:txBody>
-      </p:sp>
-      <p:sp>
-        <p:nvSpPr>
-          <p:cNvPr id="5" name="Bildplatzhalter 2"/>
-          <p:cNvSpPr>
-            <a:spLocks noGrp="1"/>
-          </p:cNvSpPr>
-          <p:nvPr>
-            <p:ph type="pic" sz="quarter" idx="10"/>
-          </p:nvPr>
-        </p:nvSpPr>
-        <p:spPr>
-          <a:xfrm>
-            <a:off x="192089" y="2060575"/>
-            <a:ext cx="3708399" cy="4284663"/>
-          </a:xfrm>
-          <a:prstGeom prst="rect">
-            <a:avLst/>
-          </a:prstGeom>
-        </p:spPr>
-        <p:txBody>
-          <a:bodyPr anchor="b" anchorCtr="0"/>
-          <a:lstStyle>
-            <a:lvl1pPr marL="0" indent="0" algn="ctr">
-              <a:buNone/>
-              <a:defRPr sz="2000">
-                <a:latin typeface="Roboto" panose="02000000000000000000" pitchFamily="2" charset="0"/>
-                <a:ea typeface="Roboto" panose="02000000000000000000" pitchFamily="2" charset="0"/>
-              </a:defRPr>
-            </a:lvl1pPr>
-          </a:lstStyle>
-          <a:p>
-            <a:r>
-              <a:rPr lang="de-DE" dirty="0" smtClean="0"/>
-              <a:t>Bild durch Klicken auf Symbol hinzufügen</a:t>
-            </a:r>
-            <a:endParaRPr lang="de-DE" dirty="0"/>
-          </a:p>
-        </p:txBody>
-      </p:sp>
-      <p:sp>
-        <p:nvSpPr>
-          <p:cNvPr id="11" name="Textplatzhalter 7"/>
-          <p:cNvSpPr>
-            <a:spLocks noGrp="1"/>
-          </p:cNvSpPr>
-          <p:nvPr>
-            <p:ph type="body" sz="quarter" idx="11"/>
-          </p:nvPr>
-        </p:nvSpPr>
-        <p:spPr>
-          <a:xfrm>
-            <a:off x="4116387" y="2060574"/>
-            <a:ext cx="7883525" cy="4284663"/>
-          </a:xfrm>
-          <a:prstGeom prst="rect">
-            <a:avLst/>
-          </a:prstGeom>
-        </p:spPr>
-        <p:txBody>
-          <a:bodyPr>
-            <a:normAutofit/>
-          </a:bodyPr>
-          <a:lstStyle>
-            <a:lvl1pPr>
-              <a:defRPr sz="2800">
-                <a:latin typeface="Roboto" panose="02000000000000000000" pitchFamily="2" charset="0"/>
-                <a:ea typeface="Roboto" panose="02000000000000000000" pitchFamily="2" charset="0"/>
-              </a:defRPr>
-            </a:lvl1pPr>
-            <a:lvl2pPr>
-              <a:defRPr sz="2400">
-                <a:latin typeface="Roboto" panose="02000000000000000000" pitchFamily="2" charset="0"/>
-                <a:ea typeface="Roboto" panose="02000000000000000000" pitchFamily="2" charset="0"/>
-              </a:defRPr>
-            </a:lvl2pPr>
-            <a:lvl3pPr>
-              <a:defRPr sz="2000">
-                <a:latin typeface="Roboto" panose="02000000000000000000" pitchFamily="2" charset="0"/>
-                <a:ea typeface="Roboto" panose="02000000000000000000" pitchFamily="2" charset="0"/>
-              </a:defRPr>
-            </a:lvl3pPr>
-            <a:lvl4pPr>
-              <a:defRPr sz="2000">
-                <a:latin typeface="Roboto" panose="02000000000000000000" pitchFamily="2" charset="0"/>
-                <a:ea typeface="Roboto" panose="02000000000000000000" pitchFamily="2" charset="0"/>
-              </a:defRPr>
-            </a:lvl4pPr>
-            <a:lvl5pPr>
-              <a:defRPr sz="2000">
-                <a:latin typeface="Roboto" panose="02000000000000000000" pitchFamily="2" charset="0"/>
-                <a:ea typeface="Roboto" panose="02000000000000000000" pitchFamily="2" charset="0"/>
-              </a:defRPr>
-            </a:lvl5pPr>
-          </a:lstStyle>
-          <a:p>
-            <a:pPr lvl="0"/>
-            <a:r>
-              <a:rPr lang="de-DE" dirty="0" smtClean="0"/>
-              <a:t>Textmasterformat bearbeiten</a:t>
-            </a:r>
-          </a:p>
-          <a:p>
-            <a:pPr lvl="1"/>
-            <a:r>
-              <a:rPr lang="de-DE" dirty="0" smtClean="0"/>
-              <a:t>Zweite Ebene</a:t>
-            </a:r>
-          </a:p>
-          <a:p>
-            <a:pPr lvl="2"/>
-            <a:r>
-              <a:rPr lang="de-DE" dirty="0" smtClean="0"/>
-              <a:t>Dritte Ebene</a:t>
-            </a:r>
-          </a:p>
-          <a:p>
-            <a:pPr lvl="3"/>
-            <a:r>
-              <a:rPr lang="de-DE" dirty="0" smtClean="0"/>
-              <a:t>Vierte Ebene</a:t>
-            </a:r>
-          </a:p>
-          <a:p>
-            <a:pPr lvl="4"/>
-            <a:r>
-              <a:rPr lang="de-DE" dirty="0" smtClean="0"/>
-              <a:t>Fünfte Ebene</a:t>
-            </a:r>
-            <a:endParaRPr lang="de-DE" dirty="0"/>
-          </a:p>
-        </p:txBody>
-      </p:sp>
-    </p:spTree>
-    <p:extLst>
-      <p:ext uri="{BB962C8B-B14F-4D97-AF65-F5344CB8AC3E}">
-        <p14:creationId xmlns:p14="http://schemas.microsoft.com/office/powerpoint/2010/main" val="493849558"/>
-      </p:ext>
-    </p:extLst>
-  </p:cSld>
-  <p:clrMapOvr>
-    <a:masterClrMapping/>
-  </p:clrMapOvr>
-  <p:timing>
-    <p:tnLst>
-      <p:par>
-        <p:cTn id="1" dur="indefinite" restart="never" nodeType="tmRoot"/>
-      </p:par>
-    </p:tnLst>
-  </p:timing>
-  <p:extLst>
-    <p:ext uri="{DCECCB84-F9BA-43D5-87BE-67443E8EF086}">
-      <p15:sldGuideLst xmlns:p15="http://schemas.microsoft.com/office/powerpoint/2012/main">
-        <p15:guide id="1" pos="2457" userDrawn="1">
-          <p15:clr>
-            <a:srgbClr val="5ACBF0"/>
-          </p15:clr>
-        </p15:guide>
-        <p15:guide id="2" pos="2593" userDrawn="1">
-          <p15:clr>
-            <a:srgbClr val="5ACBF0"/>
-          </p15:clr>
-        </p15:guide>
-        <p15:guide id="3" orient="horz" pos="1298">
-          <p15:clr>
-            <a:srgbClr val="5ACBF0"/>
-          </p15:clr>
-        </p15:guide>
-        <p15:guide id="4" orient="horz" pos="1162">
-          <p15:clr>
-            <a:srgbClr val="5ACBF0"/>
-          </p15:clr>
-        </p15:guide>
-      </p15:sldGuideLst>
-    </p:ext>
-  </p:extLst>
-</p:sldLayout>
-</file>
-
-<file path=ppt/slideLayouts/slideLayout9.xml><?xml version="1.0" encoding="utf-8"?>
-<p:sldLayout xmlns:a="http://schemas.openxmlformats.org/drawingml/2006/main" xmlns:r="http://schemas.openxmlformats.org/officeDocument/2006/relationships" xmlns:p="http://schemas.openxmlformats.org/presentationml/2006/main" preserve="1" userDrawn="1">
-  <p:cSld name="Erfenschlag">
-    <p:spTree>
-      <p:nvGrpSpPr>
-        <p:cNvPr id="1" name=""/>
-        <p:cNvGrpSpPr/>
-        <p:nvPr/>
-      </p:nvGrpSpPr>
-      <p:grpSpPr>
-        <a:xfrm>
-          <a:off x="0" y="0"/>
-          <a:ext cx="0" cy="0"/>
-          <a:chOff x="0" y="0"/>
-          <a:chExt cx="0" cy="0"/>
-        </a:xfrm>
-      </p:grpSpPr>
-      <p:sp>
-        <p:nvSpPr>
-          <p:cNvPr id="8" name="Textplatzhalter 7"/>
-          <p:cNvSpPr>
-            <a:spLocks noGrp="1"/>
-          </p:cNvSpPr>
-          <p:nvPr>
-            <p:ph type="body" sz="quarter" idx="11"/>
-          </p:nvPr>
-        </p:nvSpPr>
-        <p:spPr>
-          <a:xfrm>
-            <a:off x="1558925" y="1996440"/>
-            <a:ext cx="10440988" cy="4348798"/>
-          </a:xfrm>
-          <a:prstGeom prst="rect">
-            <a:avLst/>
-          </a:prstGeom>
-        </p:spPr>
-        <p:txBody>
-          <a:bodyPr>
-            <a:normAutofit/>
-          </a:bodyPr>
-          <a:lstStyle>
-            <a:lvl1pPr>
-              <a:defRPr sz="2800">
-                <a:latin typeface="Roboto" panose="02000000000000000000" pitchFamily="2" charset="0"/>
-                <a:ea typeface="Roboto" panose="02000000000000000000" pitchFamily="2" charset="0"/>
-              </a:defRPr>
-            </a:lvl1pPr>
-            <a:lvl2pPr>
-              <a:defRPr sz="2400">
-                <a:latin typeface="Roboto" panose="02000000000000000000" pitchFamily="2" charset="0"/>
-                <a:ea typeface="Roboto" panose="02000000000000000000" pitchFamily="2" charset="0"/>
-              </a:defRPr>
-            </a:lvl2pPr>
-            <a:lvl3pPr>
-              <a:defRPr sz="2000">
-                <a:latin typeface="Roboto" panose="02000000000000000000" pitchFamily="2" charset="0"/>
-                <a:ea typeface="Roboto" panose="02000000000000000000" pitchFamily="2" charset="0"/>
-              </a:defRPr>
-            </a:lvl3pPr>
-            <a:lvl4pPr>
-              <a:defRPr sz="2000">
-                <a:latin typeface="Roboto" panose="02000000000000000000" pitchFamily="2" charset="0"/>
-                <a:ea typeface="Roboto" panose="02000000000000000000" pitchFamily="2" charset="0"/>
-              </a:defRPr>
-            </a:lvl4pPr>
-            <a:lvl5pPr>
-              <a:defRPr sz="2000">
-                <a:latin typeface="Roboto" panose="02000000000000000000" pitchFamily="2" charset="0"/>
-                <a:ea typeface="Roboto" panose="02000000000000000000" pitchFamily="2" charset="0"/>
-              </a:defRPr>
-            </a:lvl5pPr>
-          </a:lstStyle>
-          <a:p>
-            <a:pPr lvl="0"/>
-            <a:r>
-              <a:rPr lang="de-DE" dirty="0" smtClean="0"/>
-              <a:t>Textmasterformat bearbeiten</a:t>
-            </a:r>
-          </a:p>
-          <a:p>
-            <a:pPr lvl="1"/>
-            <a:r>
-              <a:rPr lang="de-DE" dirty="0" smtClean="0"/>
-              <a:t>Zweite Ebene</a:t>
-            </a:r>
-          </a:p>
-          <a:p>
-            <a:pPr lvl="2"/>
-            <a:r>
-              <a:rPr lang="de-DE" dirty="0" smtClean="0"/>
-              <a:t>Dritte Ebene</a:t>
-            </a:r>
-          </a:p>
-          <a:p>
-            <a:pPr lvl="3"/>
-            <a:r>
-              <a:rPr lang="de-DE" dirty="0" smtClean="0"/>
-              <a:t>Vierte Ebene</a:t>
-            </a:r>
-          </a:p>
-          <a:p>
-            <a:pPr lvl="4"/>
-            <a:r>
-              <a:rPr lang="de-DE" dirty="0" smtClean="0"/>
-              <a:t>Fünfte Ebene</a:t>
-            </a:r>
-            <a:endParaRPr lang="de-DE" dirty="0"/>
-          </a:p>
-        </p:txBody>
-      </p:sp>
-      <p:sp>
-        <p:nvSpPr>
-          <p:cNvPr id="6" name="Bildplatzhalter 4"/>
-          <p:cNvSpPr>
-            <a:spLocks noGrp="1"/>
-          </p:cNvSpPr>
-          <p:nvPr>
-            <p:ph type="pic" sz="quarter" idx="12" hasCustomPrompt="1"/>
-          </p:nvPr>
-        </p:nvSpPr>
-        <p:spPr>
-          <a:xfrm>
-            <a:off x="192087" y="908050"/>
-            <a:ext cx="935037" cy="861385"/>
-          </a:xfrm>
-          <a:prstGeom prst="rect">
-            <a:avLst/>
-          </a:prstGeom>
-        </p:spPr>
-        <p:txBody>
-          <a:bodyPr anchor="b">
-            <a:noAutofit/>
-          </a:bodyPr>
-          <a:lstStyle>
-            <a:lvl1pPr marL="0" indent="0" algn="ctr">
-              <a:buNone/>
-              <a:defRPr sz="2000">
-                <a:latin typeface="Roboto" panose="02000000000000000000" pitchFamily="2" charset="0"/>
-                <a:ea typeface="Roboto" panose="02000000000000000000" pitchFamily="2" charset="0"/>
-              </a:defRPr>
-            </a:lvl1pPr>
-          </a:lstStyle>
-          <a:p>
-            <a:r>
-              <a:rPr lang="de-DE" dirty="0" smtClean="0"/>
-              <a:t>Logo</a:t>
-            </a:r>
-            <a:endParaRPr lang="de-DE" dirty="0"/>
-          </a:p>
-        </p:txBody>
-      </p:sp>
-      <p:sp>
-        <p:nvSpPr>
-          <p:cNvPr id="4" name="Titel 3"/>
-          <p:cNvSpPr>
-            <a:spLocks noGrp="1"/>
-          </p:cNvSpPr>
-          <p:nvPr>
-            <p:ph type="title"/>
-          </p:nvPr>
-        </p:nvSpPr>
-        <p:spPr>
-          <a:xfrm>
-            <a:off x="1558925" y="152400"/>
-            <a:ext cx="10440988" cy="468314"/>
-          </a:xfrm>
-          <a:prstGeom prst="rect">
-            <a:avLst/>
-          </a:prstGeom>
-        </p:spPr>
-        <p:txBody>
-          <a:bodyPr lIns="0" tIns="0" rIns="0" bIns="0">
-            <a:normAutofit/>
-          </a:bodyPr>
-          <a:lstStyle/>
-          <a:p>
-            <a:r>
-              <a:rPr lang="de-DE" dirty="0" smtClean="0"/>
-              <a:t>Titelmasterformat durch Klicken bearbeiten</a:t>
-            </a:r>
-            <a:endParaRPr lang="de-DE" dirty="0"/>
-          </a:p>
-        </p:txBody>
-      </p:sp>
-      <p:sp>
-        <p:nvSpPr>
-          <p:cNvPr id="12" name="Textplatzhalter 7"/>
-          <p:cNvSpPr>
-            <a:spLocks noGrp="1"/>
-          </p:cNvSpPr>
-          <p:nvPr>
-            <p:ph type="body" sz="quarter" idx="13"/>
-          </p:nvPr>
-        </p:nvSpPr>
-        <p:spPr>
-          <a:xfrm>
-            <a:off x="1558925" y="908050"/>
-            <a:ext cx="10440988" cy="928370"/>
-          </a:xfrm>
-          <a:prstGeom prst="rect">
-            <a:avLst/>
-          </a:prstGeom>
-        </p:spPr>
-        <p:txBody>
-          <a:bodyPr lIns="0" tIns="0" rIns="0" bIns="0">
-            <a:normAutofit/>
-          </a:bodyPr>
-          <a:lstStyle>
-            <a:lvl1pPr marL="0" indent="0">
-              <a:buFont typeface="Arial" panose="020B0604020202020204" pitchFamily="34" charset="0"/>
-              <a:buNone/>
-              <a:defRPr sz="2800" b="1">
-                <a:solidFill>
-                  <a:schemeClr val="tx1"/>
-                </a:solidFill>
-                <a:latin typeface="Roboto" panose="02000000000000000000" pitchFamily="2" charset="0"/>
-                <a:ea typeface="Roboto" panose="02000000000000000000" pitchFamily="2" charset="0"/>
-              </a:defRPr>
-            </a:lvl1pPr>
-            <a:lvl2pPr>
-              <a:defRPr sz="2400">
-                <a:latin typeface="Roboto" panose="02000000000000000000" pitchFamily="2" charset="0"/>
-                <a:ea typeface="Roboto" panose="02000000000000000000" pitchFamily="2" charset="0"/>
-              </a:defRPr>
-            </a:lvl2pPr>
-            <a:lvl3pPr>
-              <a:defRPr sz="2000">
-                <a:latin typeface="Roboto" panose="02000000000000000000" pitchFamily="2" charset="0"/>
-                <a:ea typeface="Roboto" panose="02000000000000000000" pitchFamily="2" charset="0"/>
-              </a:defRPr>
-            </a:lvl3pPr>
-            <a:lvl4pPr>
-              <a:defRPr sz="2000">
-                <a:latin typeface="Roboto" panose="02000000000000000000" pitchFamily="2" charset="0"/>
-                <a:ea typeface="Roboto" panose="02000000000000000000" pitchFamily="2" charset="0"/>
-              </a:defRPr>
-            </a:lvl4pPr>
-            <a:lvl5pPr>
-              <a:defRPr sz="2000">
-                <a:latin typeface="Roboto" panose="02000000000000000000" pitchFamily="2" charset="0"/>
-                <a:ea typeface="Roboto" panose="02000000000000000000" pitchFamily="2" charset="0"/>
-              </a:defRPr>
-            </a:lvl5pPr>
-          </a:lstStyle>
-          <a:p>
-            <a:pPr lvl="0"/>
-            <a:r>
-              <a:rPr lang="de-DE" dirty="0" smtClean="0"/>
-              <a:t>Textmasterformat bearbeiten</a:t>
-            </a:r>
-          </a:p>
-        </p:txBody>
-      </p:sp>
-    </p:spTree>
-    <p:extLst>
-      <p:ext uri="{BB962C8B-B14F-4D97-AF65-F5344CB8AC3E}">
-        <p14:creationId xmlns:p14="http://schemas.microsoft.com/office/powerpoint/2010/main" val="2072985413"/>
-      </p:ext>
-    </p:extLst>
-  </p:cSld>
-  <p:clrMapOvr>
-    <a:masterClrMapping/>
-  </p:clrMapOvr>
-  <p:timing>
-    <p:tnLst>
-      <p:par>
-        <p:cTn id="1" dur="indefinite" restart="never" nodeType="tmRoot"/>
-      </p:par>
-    </p:tnLst>
-  </p:timing>
 </p:sldLayout>
 </file>
 
@@ -4415,7 +1554,6 @@
             <a:noFill/>
           </a:ln>
           <a:effectLst/>
-          <a:extLst/>
         </p:spPr>
         <p:txBody>
           <a:bodyPr vert="horz" wrap="square" lIns="0" tIns="0" rIns="0" bIns="0" numCol="1" anchor="ctr" anchorCtr="0" compatLnSpc="1">
@@ -4553,16 +1691,12 @@
               <a:defRPr/>
             </a:pPr>
             <a:r>
-              <a:rPr lang="de-DE" sz="1400" dirty="0" smtClean="0">
+              <a:rPr lang="de-DE" sz="1400" dirty="0">
                 <a:latin typeface="Roboto" panose="02000000000000000000" pitchFamily="2" charset="0"/>
                 <a:ea typeface="Roboto" panose="02000000000000000000" pitchFamily="2" charset="0"/>
               </a:rPr>
               <a:t>www.abc.de</a:t>
             </a:r>
-            <a:endParaRPr lang="de-DE" sz="1400" dirty="0">
-              <a:latin typeface="Roboto" panose="02000000000000000000" pitchFamily="2" charset="0"/>
-              <a:ea typeface="Roboto" panose="02000000000000000000" pitchFamily="2" charset="0"/>
-            </a:endParaRPr>
           </a:p>
         </p:txBody>
       </p:sp>
@@ -4587,7 +1721,6 @@
             <a:noFill/>
           </a:ln>
           <a:effectLst/>
-          <a:extLst/>
         </p:spPr>
         <p:txBody>
           <a:bodyPr vert="horz" wrap="square" lIns="0" tIns="0" rIns="0" bIns="0" numCol="1" anchor="ctr" anchorCtr="0" compatLnSpc="1">
@@ -4725,14 +1858,14 @@
               <a:defRPr/>
             </a:pPr>
             <a:r>
-              <a:rPr lang="de-DE" sz="1400" dirty="0" smtClean="0">
+              <a:rPr lang="de-DE" sz="1400" dirty="0">
                 <a:latin typeface="Roboto" panose="02000000000000000000" pitchFamily="2" charset="0"/>
                 <a:ea typeface="Roboto" panose="02000000000000000000" pitchFamily="2" charset="0"/>
               </a:rPr>
               <a:t>Stadt</a:t>
             </a:r>
             <a:r>
-              <a:rPr lang="de-DE" sz="1400" kern="1200" dirty="0" smtClean="0">
+              <a:rPr lang="de-DE" sz="1400" kern="1200" dirty="0">
                 <a:solidFill>
                   <a:schemeClr val="tx1"/>
                 </a:solidFill>
@@ -4740,42 +1873,24 @@
                 <a:ea typeface="Roboto" panose="02000000000000000000" pitchFamily="2" charset="0"/>
                 <a:cs typeface="Arial" charset="0"/>
               </a:rPr>
-              <a:t> </a:t>
+              <a:t> ∙ TT</a:t>
             </a:r>
             <a:r>
-              <a:rPr lang="de-DE" sz="1400" kern="1200" dirty="0" smtClean="0">
-                <a:solidFill>
-                  <a:schemeClr val="tx1"/>
-                </a:solidFill>
-                <a:latin typeface="Roboto" panose="02000000000000000000" pitchFamily="2" charset="0"/>
-                <a:ea typeface="Roboto" panose="02000000000000000000" pitchFamily="2" charset="0"/>
-                <a:cs typeface="Arial" charset="0"/>
-              </a:rPr>
-              <a:t>∙ TT</a:t>
-            </a:r>
-            <a:r>
-              <a:rPr lang="de-DE" sz="1400" dirty="0" smtClean="0">
+              <a:rPr lang="de-DE" sz="1400" dirty="0">
                 <a:latin typeface="Roboto" panose="02000000000000000000" pitchFamily="2" charset="0"/>
                 <a:ea typeface="Roboto" panose="02000000000000000000" pitchFamily="2" charset="0"/>
               </a:rPr>
               <a:t>. Monat</a:t>
             </a:r>
             <a:r>
-              <a:rPr lang="de-DE" sz="1400" baseline="0" dirty="0" smtClean="0">
+              <a:rPr lang="de-DE" sz="1400" baseline="0" dirty="0">
                 <a:latin typeface="Roboto" panose="02000000000000000000" pitchFamily="2" charset="0"/>
                 <a:ea typeface="Roboto" panose="02000000000000000000" pitchFamily="2" charset="0"/>
               </a:rPr>
-              <a:t> </a:t>
+              <a:t> Jahr</a:t>
             </a:r>
             <a:r>
-              <a:rPr lang="de-DE" sz="1400" baseline="0" dirty="0" smtClean="0">
-                <a:latin typeface="Roboto" panose="02000000000000000000" pitchFamily="2" charset="0"/>
-                <a:ea typeface="Roboto" panose="02000000000000000000" pitchFamily="2" charset="0"/>
-              </a:rPr>
-              <a:t>Jahr</a:t>
-            </a:r>
-            <a:r>
-              <a:rPr lang="de-DE" sz="1400" kern="1200" dirty="0" smtClean="0">
+              <a:rPr lang="de-DE" sz="1400" kern="1200" dirty="0">
                 <a:solidFill>
                   <a:schemeClr val="tx1"/>
                 </a:solidFill>
@@ -4783,38 +1898,8 @@
                 <a:ea typeface="Roboto" panose="02000000000000000000" pitchFamily="2" charset="0"/>
                 <a:cs typeface="Arial" charset="0"/>
               </a:rPr>
-              <a:t> </a:t>
+              <a:t> ∙ Max Mustermann</a:t>
             </a:r>
-            <a:r>
-              <a:rPr lang="de-DE" sz="1400" kern="1200" dirty="0" smtClean="0">
-                <a:solidFill>
-                  <a:schemeClr val="tx1"/>
-                </a:solidFill>
-                <a:latin typeface="Roboto" panose="02000000000000000000" pitchFamily="2" charset="0"/>
-                <a:ea typeface="Roboto" panose="02000000000000000000" pitchFamily="2" charset="0"/>
-                <a:cs typeface="Arial" charset="0"/>
-              </a:rPr>
-              <a:t>∙ </a:t>
-            </a:r>
-            <a:r>
-              <a:rPr lang="de-DE" sz="1400" kern="1200" dirty="0" smtClean="0">
-                <a:solidFill>
-                  <a:schemeClr val="tx1"/>
-                </a:solidFill>
-                <a:latin typeface="Roboto" panose="02000000000000000000" pitchFamily="2" charset="0"/>
-                <a:ea typeface="Roboto" panose="02000000000000000000" pitchFamily="2" charset="0"/>
-                <a:cs typeface="Arial" charset="0"/>
-              </a:rPr>
-              <a:t>Max Mustermann</a:t>
-            </a:r>
-            <a:endParaRPr lang="de-DE" sz="1400" kern="1200" dirty="0">
-              <a:solidFill>
-                <a:schemeClr val="tx1"/>
-              </a:solidFill>
-              <a:latin typeface="Roboto" panose="02000000000000000000" pitchFamily="2" charset="0"/>
-              <a:ea typeface="Roboto" panose="02000000000000000000" pitchFamily="2" charset="0"/>
-              <a:cs typeface="Arial" charset="0"/>
-            </a:endParaRPr>
           </a:p>
         </p:txBody>
       </p:sp>
@@ -4827,21 +1912,14 @@
           <p:nvPr userDrawn="1"/>
         </p:nvPicPr>
         <p:blipFill>
-          <a:blip r:embed="rId6">
-            <a:extLst>
-              <a:ext uri="{28A0092B-C50C-407E-A947-70E740481C1C}">
-                <a14:useLocalDpi xmlns:a14="http://schemas.microsoft.com/office/drawing/2010/main" val="0"/>
-              </a:ext>
-            </a:extLst>
-          </a:blip>
-          <a:stretch>
-            <a:fillRect/>
-          </a:stretch>
+          <a:blip r:embed="rId3"/>
+          <a:srcRect/>
+          <a:stretch/>
         </p:blipFill>
         <p:spPr>
           <a:xfrm>
-            <a:off x="0" y="379"/>
-            <a:ext cx="2351087" cy="1510543"/>
+            <a:off x="1746" y="379"/>
+            <a:ext cx="2347595" cy="1510543"/>
           </a:xfrm>
           <a:prstGeom prst="rect">
             <a:avLst/>
@@ -4853,17 +1931,7 @@
   <p:clrMap bg1="lt1" tx1="dk1" bg2="lt2" tx2="dk2" accent1="accent1" accent2="accent2" accent3="accent3" accent4="accent4" accent5="accent5" accent6="accent6" hlink="hlink" folHlink="folHlink"/>
   <p:sldLayoutIdLst>
     <p:sldLayoutId id="2147483671" r:id="rId1"/>
-    <p:sldLayoutId id="2147483753" r:id="rId2"/>
-    <p:sldLayoutId id="2147483751" r:id="rId3"/>
-    <p:sldLayoutId id="2147483752" r:id="rId4"/>
   </p:sldLayoutIdLst>
-  <p:timing>
-    <p:tnLst>
-      <p:par>
-        <p:cTn id="1" dur="indefinite" restart="never" nodeType="tmRoot"/>
-      </p:par>
-    </p:tnLst>
-  </p:timing>
   <p:hf hdr="0"/>
   <p:txStyles>
     <p:titleStyle>
@@ -5247,7 +2315,7 @@
       </a:lvl9pPr>
     </p:otherStyle>
   </p:txStyles>
-  <p:extLst mod="1">
+  <p:extLst>
     <p:ext uri="{27BBF7A9-308A-43DC-89C8-2F10F3537804}">
       <p15:sldGuideLst xmlns:p15="http://schemas.microsoft.com/office/powerpoint/2012/main">
         <p15:guide id="1" pos="211">
@@ -5381,21 +2449,14 @@
           <p:nvPr userDrawn="1"/>
         </p:nvPicPr>
         <p:blipFill>
-          <a:blip r:embed="rId8">
-            <a:extLst>
-              <a:ext uri="{28A0092B-C50C-407E-A947-70E740481C1C}">
-                <a14:useLocalDpi xmlns:a14="http://schemas.microsoft.com/office/drawing/2010/main" val="0"/>
-              </a:ext>
-            </a:extLst>
-          </a:blip>
-          <a:stretch>
-            <a:fillRect/>
-          </a:stretch>
+          <a:blip r:embed="rId3"/>
+          <a:srcRect/>
+          <a:stretch/>
         </p:blipFill>
         <p:spPr>
           <a:xfrm>
-            <a:off x="0" y="-41374"/>
-            <a:ext cx="1326356" cy="863956"/>
+            <a:off x="525" y="-36759"/>
+            <a:ext cx="1326356" cy="855403"/>
           </a:xfrm>
           <a:prstGeom prst="rect">
             <a:avLst/>
@@ -5423,7 +2484,6 @@
             <a:noFill/>
           </a:ln>
           <a:effectLst/>
-          <a:extLst/>
         </p:spPr>
         <p:txBody>
           <a:bodyPr vert="horz" wrap="square" lIns="0" tIns="0" rIns="0" bIns="0" numCol="1" anchor="ctr" anchorCtr="0" compatLnSpc="1">
@@ -5561,16 +2621,12 @@
               <a:defRPr/>
             </a:pPr>
             <a:r>
-              <a:rPr lang="de-DE" sz="1400" dirty="0" smtClean="0">
+              <a:rPr lang="de-DE" sz="1400" dirty="0">
                 <a:latin typeface="Roboto" panose="02000000000000000000" pitchFamily="2" charset="0"/>
                 <a:ea typeface="Roboto" panose="02000000000000000000" pitchFamily="2" charset="0"/>
               </a:rPr>
               <a:t>www.abc.de</a:t>
             </a:r>
-            <a:endParaRPr lang="de-DE" sz="1400" dirty="0">
-              <a:latin typeface="Roboto" panose="02000000000000000000" pitchFamily="2" charset="0"/>
-              <a:ea typeface="Roboto" panose="02000000000000000000" pitchFamily="2" charset="0"/>
-            </a:endParaRPr>
           </a:p>
         </p:txBody>
       </p:sp>
@@ -5832,7 +2888,6 @@
             <a:noFill/>
           </a:ln>
           <a:effectLst/>
-          <a:extLst/>
         </p:spPr>
         <p:txBody>
           <a:bodyPr vert="horz" wrap="square" lIns="0" tIns="0" rIns="0" bIns="0" numCol="1" anchor="ctr" anchorCtr="0" compatLnSpc="1">
@@ -5970,14 +3025,14 @@
               <a:defRPr/>
             </a:pPr>
             <a:r>
-              <a:rPr lang="de-DE" sz="1400" dirty="0" smtClean="0">
+              <a:rPr lang="de-DE" sz="1400" dirty="0">
                 <a:latin typeface="Roboto" panose="02000000000000000000" pitchFamily="2" charset="0"/>
                 <a:ea typeface="Roboto" panose="02000000000000000000" pitchFamily="2" charset="0"/>
               </a:rPr>
               <a:t>Stadt</a:t>
             </a:r>
             <a:r>
-              <a:rPr lang="de-DE" sz="1400" kern="1200" dirty="0" smtClean="0">
+              <a:rPr lang="de-DE" sz="1400" kern="1200" dirty="0">
                 <a:solidFill>
                   <a:schemeClr val="tx1"/>
                 </a:solidFill>
@@ -5988,21 +3043,21 @@
               <a:t> ∙ TT</a:t>
             </a:r>
             <a:r>
-              <a:rPr lang="de-DE" sz="1400" dirty="0" smtClean="0">
+              <a:rPr lang="de-DE" sz="1400" dirty="0">
                 <a:latin typeface="Roboto" panose="02000000000000000000" pitchFamily="2" charset="0"/>
                 <a:ea typeface="Roboto" panose="02000000000000000000" pitchFamily="2" charset="0"/>
               </a:rPr>
               <a:t>. Monat</a:t>
             </a:r>
             <a:r>
-              <a:rPr lang="de-DE" sz="1400" baseline="0" dirty="0" smtClean="0">
+              <a:rPr lang="de-DE" sz="1400" baseline="0" dirty="0">
                 <a:latin typeface="Roboto" panose="02000000000000000000" pitchFamily="2" charset="0"/>
                 <a:ea typeface="Roboto" panose="02000000000000000000" pitchFamily="2" charset="0"/>
               </a:rPr>
               <a:t> Jahr</a:t>
             </a:r>
             <a:r>
-              <a:rPr lang="de-DE" sz="1400" kern="1200" dirty="0" smtClean="0">
+              <a:rPr lang="de-DE" sz="1400" kern="1200" dirty="0">
                 <a:solidFill>
                   <a:schemeClr val="tx1"/>
                 </a:solidFill>
@@ -6012,14 +3067,6 @@
               </a:rPr>
               <a:t> ∙ Max Mustermann</a:t>
             </a:r>
-            <a:endParaRPr lang="de-DE" sz="1400" kern="1200" dirty="0">
-              <a:solidFill>
-                <a:schemeClr val="tx1"/>
-              </a:solidFill>
-              <a:latin typeface="Roboto" panose="02000000000000000000" pitchFamily="2" charset="0"/>
-              <a:ea typeface="Roboto" panose="02000000000000000000" pitchFamily="2" charset="0"/>
-              <a:cs typeface="Arial" charset="0"/>
-            </a:endParaRPr>
           </a:p>
         </p:txBody>
       </p:sp>
@@ -6033,19 +3080,7 @@
   <p:clrMap bg1="lt1" tx1="dk1" bg2="lt2" tx2="dk2" accent1="accent1" accent2="accent2" accent3="accent3" accent4="accent4" accent5="accent5" accent6="accent6" hlink="hlink" folHlink="folHlink"/>
   <p:sldLayoutIdLst>
     <p:sldLayoutId id="2147483750" r:id="rId1"/>
-    <p:sldLayoutId id="2147483754" r:id="rId2"/>
-    <p:sldLayoutId id="2147483755" r:id="rId3"/>
-    <p:sldLayoutId id="2147483756" r:id="rId4"/>
-    <p:sldLayoutId id="2147483719" r:id="rId5"/>
-    <p:sldLayoutId id="2147483757" r:id="rId6"/>
   </p:sldLayoutIdLst>
-  <p:timing>
-    <p:tnLst>
-      <p:par>
-        <p:cTn id="1" dur="indefinite" restart="never" nodeType="tmRoot"/>
-      </p:par>
-    </p:tnLst>
-  </p:timing>
   <p:txStyles>
     <p:titleStyle>
       <a:lvl1pPr algn="l" defTabSz="914400" rtl="0" eaLnBrk="1" latinLnBrk="0" hangingPunct="1">
@@ -6326,7 +3361,7 @@
       </a:lvl9pPr>
     </p:otherStyle>
   </p:txStyles>
-  <p:extLst mod="1">
+  <p:extLst>
     <p:ext uri="{27BBF7A9-308A-43DC-89C8-2F10F3537804}">
       <p15:sldGuideLst xmlns:p15="http://schemas.microsoft.com/office/powerpoint/2012/main">
         <p15:guide id="1" orient="horz" pos="96" userDrawn="1">
